--- a/Intermediate/SharedCharts/template/charts.pptx
+++ b/Intermediate/SharedCharts/template/charts.pptx
@@ -8,6 +8,7 @@
     <p:sldId id="256" r:id="rId2"/>
     <p:sldId id="257" r:id="rId3"/>
     <p:sldId id="258" r:id="rId4"/>
+    <p:sldId id="259" r:id="rId5"/>
   </p:sldIdLst>
   <p:sldSz cx="9144000" cy="6858000" type="screen4x3"/>
   <p:notesSz cx="6858000" cy="9144000"/>
@@ -106,18 +107,46 @@
       </a:defRPr>
     </a:lvl9pPr>
   </p:defaultTextStyle>
+  <p:extLst>
+    <p:ext uri="{EFAFB233-063F-42B5-8137-9DF3F51BA10A}">
+      <p15:sldGuideLst xmlns:p15="http://schemas.microsoft.com/office/powerpoint/2012/main">
+        <p15:guide id="1" orient="horz" pos="2160">
+          <p15:clr>
+            <a:srgbClr val="A4A3A4"/>
+          </p15:clr>
+        </p15:guide>
+        <p15:guide id="2" pos="2880">
+          <p15:clr>
+            <a:srgbClr val="A4A3A4"/>
+          </p15:clr>
+        </p15:guide>
+      </p15:sldGuideLst>
+    </p:ext>
+  </p:extLst>
 </p:presentation>
 </file>
 
 <file path=ppt/charts/chart1.xml><?xml version="1.0" encoding="utf-8"?>
-<c:chartSpace xmlns:c="http://schemas.openxmlformats.org/drawingml/2006/chart" xmlns:a="http://schemas.openxmlformats.org/drawingml/2006/main" xmlns:r="http://schemas.openxmlformats.org/officeDocument/2006/relationships">
-  <c:lang val="hr-HR"/>
+<c:chartSpace xmlns:c="http://schemas.openxmlformats.org/drawingml/2006/chart" xmlns:a="http://schemas.openxmlformats.org/drawingml/2006/main" xmlns:r="http://schemas.openxmlformats.org/officeDocument/2006/relationships" xmlns:c16r2="http://schemas.microsoft.com/office/drawing/2015/06/chart">
+  <c:date1904 val="0"/>
+  <c:lang val="en-US"/>
+  <c:roundedCorners val="0"/>
+  <mc:AlternateContent xmlns:mc="http://schemas.openxmlformats.org/markup-compatibility/2006">
+    <mc:Choice xmlns:c14="http://schemas.microsoft.com/office/drawing/2007/8/2/chart" Requires="c14">
+      <c14:style val="102"/>
+    </mc:Choice>
+    <mc:Fallback>
+      <c:style val="2"/>
+    </mc:Fallback>
+  </mc:AlternateContent>
   <c:chart>
+    <c:autoTitleDeleted val="0"/>
     <c:plotArea>
       <c:layout/>
       <c:barChart>
         <c:barDir val="col"/>
         <c:grouping val="clustered"/>
+        <c:varyColors val="0"/>
         <c:ser>
           <c:idx val="0"/>
           <c:order val="0"/>
@@ -132,6 +161,7 @@
               </c:strCache>
             </c:strRef>
           </c:tx>
+          <c:invertIfNegative val="0"/>
           <c:cat>
             <c:strRef>
               <c:f>Sheet1!$A$2</c:f>
@@ -155,6 +185,11 @@
               </c:numCache>
             </c:numRef>
           </c:val>
+          <c:extLst>
+            <c:ext xmlns:c16="http://schemas.microsoft.com/office/drawing/2014/chart" uri="{C3380CC4-5D6E-409C-BE32-E72D297353CC}">
+              <c16:uniqueId val="{00000000-4511-40B7-BF6A-5F92EB027132}"/>
+            </c:ext>
+          </c:extLst>
         </c:ser>
         <c:ser>
           <c:idx val="1"/>
@@ -170,6 +205,7 @@
               </c:strCache>
             </c:strRef>
           </c:tx>
+          <c:invertIfNegative val="0"/>
           <c:cat>
             <c:strRef>
               <c:f>Sheet1!$A$2</c:f>
@@ -193,6 +229,11 @@
               </c:numCache>
             </c:numRef>
           </c:val>
+          <c:extLst>
+            <c:ext xmlns:c16="http://schemas.microsoft.com/office/drawing/2014/chart" uri="{C3380CC4-5D6E-409C-BE32-E72D297353CC}">
+              <c16:uniqueId val="{00000001-4511-40B7-BF6A-5F92EB027132}"/>
+            </c:ext>
+          </c:extLst>
         </c:ser>
         <c:ser>
           <c:idx val="2"/>
@@ -208,6 +249,7 @@
               </c:strCache>
             </c:strRef>
           </c:tx>
+          <c:invertIfNegative val="0"/>
           <c:cat>
             <c:strRef>
               <c:f>Sheet1!$A$2</c:f>
@@ -231,7 +273,21 @@
               </c:numCache>
             </c:numRef>
           </c:val>
+          <c:extLst>
+            <c:ext xmlns:c16="http://schemas.microsoft.com/office/drawing/2014/chart" uri="{C3380CC4-5D6E-409C-BE32-E72D297353CC}">
+              <c16:uniqueId val="{00000002-4511-40B7-BF6A-5F92EB027132}"/>
+            </c:ext>
+          </c:extLst>
         </c:ser>
+        <c:dLbls>
+          <c:showLegendKey val="0"/>
+          <c:showVal val="0"/>
+          <c:showCatName val="0"/>
+          <c:showSerName val="0"/>
+          <c:showPercent val="0"/>
+          <c:showBubbleSize val="0"/>
+        </c:dLbls>
+        <c:gapWidth val="150"/>
         <c:axId val="100519936"/>
         <c:axId val="100521472"/>
       </c:barChart>
@@ -240,22 +296,30 @@
         <c:scaling>
           <c:orientation val="minMax"/>
         </c:scaling>
+        <c:delete val="0"/>
         <c:axPos val="b"/>
+        <c:numFmt formatCode="General" sourceLinked="0"/>
+        <c:majorTickMark val="out"/>
+        <c:minorTickMark val="none"/>
         <c:tickLblPos val="nextTo"/>
         <c:crossAx val="100521472"/>
         <c:crosses val="autoZero"/>
         <c:auto val="1"/>
         <c:lblAlgn val="ctr"/>
         <c:lblOffset val="100"/>
+        <c:noMultiLvlLbl val="0"/>
       </c:catAx>
       <c:valAx>
         <c:axId val="100521472"/>
         <c:scaling>
           <c:orientation val="minMax"/>
         </c:scaling>
+        <c:delete val="0"/>
         <c:axPos val="l"/>
         <c:majorGridlines/>
         <c:numFmt formatCode="General" sourceLinked="1"/>
+        <c:majorTickMark val="out"/>
+        <c:minorTickMark val="none"/>
         <c:tickLblPos val="nextTo"/>
         <c:crossAx val="100519936"/>
         <c:crosses val="autoZero"/>
@@ -264,9 +328,11 @@
     </c:plotArea>
     <c:legend>
       <c:legendPos val="r"/>
-      <c:layout/>
+      <c:overlay val="0"/>
     </c:legend>
     <c:plotVisOnly val="1"/>
+    <c:dispBlanksAs val="gap"/>
+    <c:showDLblsOverMax val="0"/>
   </c:chart>
   <c:txPr>
     <a:bodyPr/>
@@ -275,20 +341,33 @@
       <a:pPr>
         <a:defRPr sz="1800"/>
       </a:pPr>
-      <a:endParaRPr lang="sr-Latn-CS"/>
+      <a:endParaRPr lang="sr-Latn-RS"/>
     </a:p>
   </c:txPr>
-  <c:externalData r:id="rId1"/>
+  <c:externalData r:id="rId1">
+    <c:autoUpdate val="0"/>
+  </c:externalData>
 </c:chartSpace>
 </file>
 
 <file path=ppt/charts/chart2.xml><?xml version="1.0" encoding="utf-8"?>
-<c:chartSpace xmlns:c="http://schemas.openxmlformats.org/drawingml/2006/chart" xmlns:a="http://schemas.openxmlformats.org/drawingml/2006/main" xmlns:r="http://schemas.openxmlformats.org/officeDocument/2006/relationships">
-  <c:lang val="hr-HR"/>
+<c:chartSpace xmlns:c="http://schemas.openxmlformats.org/drawingml/2006/chart" xmlns:a="http://schemas.openxmlformats.org/drawingml/2006/main" xmlns:r="http://schemas.openxmlformats.org/officeDocument/2006/relationships" xmlns:c16r2="http://schemas.microsoft.com/office/drawing/2015/06/chart">
+  <c:date1904 val="0"/>
+  <c:lang val="en-US"/>
+  <c:roundedCorners val="0"/>
+  <mc:AlternateContent xmlns:mc="http://schemas.openxmlformats.org/markup-compatibility/2006">
+    <mc:Choice xmlns:c14="http://schemas.microsoft.com/office/drawing/2007/8/2/chart" Requires="c14">
+      <c14:style val="102"/>
+    </mc:Choice>
+    <mc:Fallback>
+      <c:style val="2"/>
+    </mc:Fallback>
+  </mc:AlternateContent>
   <c:chart>
     <c:title>
-      <c:layout/>
+      <c:overlay val="0"/>
     </c:title>
+    <c:autoTitleDeleted val="0"/>
     <c:plotArea>
       <c:layout/>
       <c:pieChart>
@@ -330,15 +409,31 @@
               </c:numCache>
             </c:numRef>
           </c:val>
+          <c:extLst>
+            <c:ext xmlns:c16="http://schemas.microsoft.com/office/drawing/2014/chart" uri="{C3380CC4-5D6E-409C-BE32-E72D297353CC}">
+              <c16:uniqueId val="{00000000-FD0D-4405-8EDF-AD98257D25D6}"/>
+            </c:ext>
+          </c:extLst>
         </c:ser>
+        <c:dLbls>
+          <c:showLegendKey val="0"/>
+          <c:showVal val="0"/>
+          <c:showCatName val="0"/>
+          <c:showSerName val="0"/>
+          <c:showPercent val="0"/>
+          <c:showBubbleSize val="0"/>
+          <c:showLeaderLines val="1"/>
+        </c:dLbls>
         <c:firstSliceAng val="0"/>
       </c:pieChart>
     </c:plotArea>
     <c:legend>
       <c:legendPos val="r"/>
-      <c:layout/>
+      <c:overlay val="0"/>
     </c:legend>
     <c:plotVisOnly val="1"/>
+    <c:dispBlanksAs val="gap"/>
+    <c:showDLblsOverMax val="0"/>
   </c:chart>
   <c:txPr>
     <a:bodyPr/>
@@ -347,11 +442,952 @@
       <a:pPr>
         <a:defRPr sz="1800"/>
       </a:pPr>
-      <a:endParaRPr lang="sr-Latn-CS"/>
+      <a:endParaRPr lang="sr-Latn-RS"/>
     </a:p>
   </c:txPr>
-  <c:externalData r:id="rId1"/>
+  <c:externalData r:id="rId1">
+    <c:autoUpdate val="0"/>
+  </c:externalData>
 </c:chartSpace>
+</file>
+
+<file path=ppt/charts/chart3.xml><?xml version="1.0" encoding="utf-8"?>
+<c:chartSpace xmlns:c="http://schemas.openxmlformats.org/drawingml/2006/chart" xmlns:a="http://schemas.openxmlformats.org/drawingml/2006/main" xmlns:r="http://schemas.openxmlformats.org/officeDocument/2006/relationships" xmlns:c16r2="http://schemas.microsoft.com/office/drawing/2015/06/chart">
+  <c:date1904 val="0"/>
+  <c:lang val="en-US"/>
+  <c:roundedCorners val="0"/>
+  <mc:AlternateContent xmlns:mc="http://schemas.openxmlformats.org/markup-compatibility/2006">
+    <mc:Choice xmlns:c14="http://schemas.microsoft.com/office/drawing/2007/8/2/chart" Requires="c14">
+      <c14:style val="102"/>
+    </mc:Choice>
+    <mc:Fallback>
+      <c:style val="2"/>
+    </mc:Fallback>
+  </mc:AlternateContent>
+  <c:chart>
+    <c:title>
+      <c:overlay val="0"/>
+      <c:spPr>
+        <a:noFill/>
+        <a:ln>
+          <a:noFill/>
+        </a:ln>
+        <a:effectLst/>
+      </c:spPr>
+      <c:txPr>
+        <a:bodyPr rot="0" spcFirstLastPara="1" vertOverflow="ellipsis" vert="horz" wrap="square" anchor="ctr" anchorCtr="1"/>
+        <a:lstStyle/>
+        <a:p>
+          <a:pPr>
+            <a:defRPr sz="1862" b="0" i="0" u="none" strike="noStrike" kern="1200" spc="0" baseline="0">
+              <a:solidFill>
+                <a:schemeClr val="tx1">
+                  <a:lumMod val="65000"/>
+                  <a:lumOff val="35000"/>
+                </a:schemeClr>
+              </a:solidFill>
+              <a:latin typeface="+mn-lt"/>
+              <a:ea typeface="+mn-ea"/>
+              <a:cs typeface="+mn-cs"/>
+            </a:defRPr>
+          </a:pPr>
+          <a:endParaRPr lang="sr-Latn-RS"/>
+        </a:p>
+      </c:txPr>
+    </c:title>
+    <c:autoTitleDeleted val="0"/>
+    <c:view3D>
+      <c:rotX val="15"/>
+      <c:rotY val="20"/>
+      <c:rAngAx val="0"/>
+    </c:view3D>
+    <c:floor>
+      <c:thickness val="0"/>
+      <c:spPr>
+        <a:noFill/>
+        <a:ln>
+          <a:noFill/>
+        </a:ln>
+        <a:effectLst/>
+        <a:sp3d/>
+      </c:spPr>
+    </c:floor>
+    <c:sideWall>
+      <c:thickness val="0"/>
+      <c:spPr>
+        <a:noFill/>
+        <a:ln>
+          <a:noFill/>
+        </a:ln>
+        <a:effectLst/>
+        <a:sp3d/>
+      </c:spPr>
+    </c:sideWall>
+    <c:backWall>
+      <c:thickness val="0"/>
+      <c:spPr>
+        <a:noFill/>
+        <a:ln>
+          <a:noFill/>
+        </a:ln>
+        <a:effectLst/>
+        <a:sp3d/>
+      </c:spPr>
+    </c:backWall>
+    <c:plotArea>
+      <c:layout/>
+      <c:bar3DChart>
+        <c:barDir val="col"/>
+        <c:grouping val="standard"/>
+        <c:varyColors val="0"/>
+        <c:ser>
+          <c:idx val="0"/>
+          <c:order val="0"/>
+          <c:tx>
+            <c:strRef>
+              <c:f>Sheet1!$B$1</c:f>
+              <c:strCache>
+                <c:ptCount val="1"/>
+                <c:pt idx="0">
+                  <c:v>[[dr.kind]]</c:v>
+                </c:pt>
+              </c:strCache>
+            </c:strRef>
+          </c:tx>
+          <c:spPr>
+            <a:solidFill>
+              <a:schemeClr val="accent1"/>
+            </a:solidFill>
+            <a:ln w="25400">
+              <a:solidFill>
+                <a:schemeClr val="lt1"/>
+              </a:solidFill>
+            </a:ln>
+            <a:effectLst/>
+            <a:sp3d contourW="25400">
+              <a:contourClr>
+                <a:schemeClr val="lt1"/>
+              </a:contourClr>
+            </a:sp3d>
+          </c:spPr>
+          <c:invertIfNegative val="0"/>
+          <c:cat>
+            <c:strRef>
+              <c:f>Sheet1!$A$2</c:f>
+              <c:strCache>
+                <c:ptCount val="1"/>
+                <c:pt idx="0">
+                  <c:v>[[dr.data]]</c:v>
+                </c:pt>
+              </c:strCache>
+            </c:strRef>
+          </c:cat>
+          <c:val>
+            <c:numRef>
+              <c:f>Sheet1!$B$2</c:f>
+              <c:numCache>
+                <c:formatCode>General</c:formatCode>
+                <c:ptCount val="1"/>
+              </c:numCache>
+            </c:numRef>
+          </c:val>
+          <c:extLst>
+            <c:ext xmlns:c16="http://schemas.microsoft.com/office/drawing/2014/chart" uri="{C3380CC4-5D6E-409C-BE32-E72D297353CC}">
+              <c16:uniqueId val="{00000000-A3E4-406F-9B47-C25E92420999}"/>
+            </c:ext>
+          </c:extLst>
+        </c:ser>
+        <c:dLbls>
+          <c:showLegendKey val="0"/>
+          <c:showVal val="0"/>
+          <c:showCatName val="0"/>
+          <c:showSerName val="0"/>
+          <c:showPercent val="0"/>
+          <c:showBubbleSize val="0"/>
+        </c:dLbls>
+        <c:gapWidth val="150"/>
+        <c:shape val="box"/>
+        <c:axId val="568714624"/>
+        <c:axId val="568698552"/>
+        <c:axId val="566251416"/>
+      </c:bar3DChart>
+      <c:catAx>
+        <c:axId val="568714624"/>
+        <c:scaling>
+          <c:orientation val="minMax"/>
+        </c:scaling>
+        <c:delete val="0"/>
+        <c:axPos val="b"/>
+        <c:numFmt formatCode="General" sourceLinked="1"/>
+        <c:majorTickMark val="out"/>
+        <c:minorTickMark val="none"/>
+        <c:tickLblPos val="nextTo"/>
+        <c:spPr>
+          <a:noFill/>
+          <a:ln w="9525" cap="flat" cmpd="sng" algn="ctr">
+            <a:solidFill>
+              <a:schemeClr val="tx1">
+                <a:lumMod val="15000"/>
+                <a:lumOff val="85000"/>
+              </a:schemeClr>
+            </a:solidFill>
+            <a:round/>
+          </a:ln>
+          <a:effectLst/>
+        </c:spPr>
+        <c:txPr>
+          <a:bodyPr rot="-60000000" spcFirstLastPara="1" vertOverflow="ellipsis" vert="horz" wrap="square" anchor="ctr" anchorCtr="1"/>
+          <a:lstStyle/>
+          <a:p>
+            <a:pPr>
+              <a:defRPr sz="1197" b="0" i="0" u="none" strike="noStrike" kern="1200" baseline="0">
+                <a:solidFill>
+                  <a:schemeClr val="tx1">
+                    <a:lumMod val="65000"/>
+                    <a:lumOff val="35000"/>
+                  </a:schemeClr>
+                </a:solidFill>
+                <a:latin typeface="+mn-lt"/>
+                <a:ea typeface="+mn-ea"/>
+                <a:cs typeface="+mn-cs"/>
+              </a:defRPr>
+            </a:pPr>
+            <a:endParaRPr lang="sr-Latn-RS"/>
+          </a:p>
+        </c:txPr>
+        <c:crossAx val="568698552"/>
+        <c:crosses val="autoZero"/>
+        <c:auto val="1"/>
+        <c:lblAlgn val="ctr"/>
+        <c:lblOffset val="100"/>
+        <c:noMultiLvlLbl val="0"/>
+      </c:catAx>
+      <c:valAx>
+        <c:axId val="568698552"/>
+        <c:scaling>
+          <c:orientation val="minMax"/>
+        </c:scaling>
+        <c:delete val="0"/>
+        <c:axPos val="l"/>
+        <c:majorGridlines>
+          <c:spPr>
+            <a:ln w="9525" cap="flat" cmpd="sng" algn="ctr">
+              <a:solidFill>
+                <a:schemeClr val="tx1">
+                  <a:lumMod val="15000"/>
+                  <a:lumOff val="85000"/>
+                </a:schemeClr>
+              </a:solidFill>
+              <a:round/>
+            </a:ln>
+            <a:effectLst/>
+          </c:spPr>
+        </c:majorGridlines>
+        <c:numFmt formatCode="General" sourceLinked="1"/>
+        <c:majorTickMark val="out"/>
+        <c:minorTickMark val="none"/>
+        <c:tickLblPos val="nextTo"/>
+        <c:spPr>
+          <a:noFill/>
+          <a:ln>
+            <a:noFill/>
+          </a:ln>
+          <a:effectLst/>
+        </c:spPr>
+        <c:txPr>
+          <a:bodyPr rot="-60000000" spcFirstLastPara="1" vertOverflow="ellipsis" vert="horz" wrap="square" anchor="ctr" anchorCtr="1"/>
+          <a:lstStyle/>
+          <a:p>
+            <a:pPr>
+              <a:defRPr sz="1197" b="0" i="0" u="none" strike="noStrike" kern="1200" baseline="0">
+                <a:solidFill>
+                  <a:schemeClr val="tx1">
+                    <a:lumMod val="65000"/>
+                    <a:lumOff val="35000"/>
+                  </a:schemeClr>
+                </a:solidFill>
+                <a:latin typeface="+mn-lt"/>
+                <a:ea typeface="+mn-ea"/>
+                <a:cs typeface="+mn-cs"/>
+              </a:defRPr>
+            </a:pPr>
+            <a:endParaRPr lang="sr-Latn-RS"/>
+          </a:p>
+        </c:txPr>
+        <c:crossAx val="568714624"/>
+        <c:crosses val="autoZero"/>
+        <c:crossBetween val="between"/>
+      </c:valAx>
+      <c:serAx>
+        <c:axId val="566251416"/>
+        <c:scaling>
+          <c:orientation val="minMax"/>
+        </c:scaling>
+        <c:delete val="0"/>
+        <c:axPos val="b"/>
+        <c:majorTickMark val="out"/>
+        <c:minorTickMark val="none"/>
+        <c:tickLblPos val="nextTo"/>
+        <c:spPr>
+          <a:noFill/>
+          <a:ln>
+            <a:noFill/>
+          </a:ln>
+          <a:effectLst/>
+        </c:spPr>
+        <c:txPr>
+          <a:bodyPr rot="-60000000" spcFirstLastPara="1" vertOverflow="ellipsis" vert="horz" wrap="square" anchor="ctr" anchorCtr="1"/>
+          <a:lstStyle/>
+          <a:p>
+            <a:pPr>
+              <a:defRPr sz="1197" b="0" i="0" u="none" strike="noStrike" kern="1200" baseline="0">
+                <a:solidFill>
+                  <a:schemeClr val="tx1">
+                    <a:lumMod val="65000"/>
+                    <a:lumOff val="35000"/>
+                  </a:schemeClr>
+                </a:solidFill>
+                <a:latin typeface="+mn-lt"/>
+                <a:ea typeface="+mn-ea"/>
+                <a:cs typeface="+mn-cs"/>
+              </a:defRPr>
+            </a:pPr>
+            <a:endParaRPr lang="sr-Latn-RS"/>
+          </a:p>
+        </c:txPr>
+        <c:crossAx val="568698552"/>
+        <c:crosses val="autoZero"/>
+      </c:serAx>
+      <c:spPr>
+        <a:noFill/>
+        <a:ln>
+          <a:noFill/>
+        </a:ln>
+        <a:effectLst/>
+      </c:spPr>
+    </c:plotArea>
+    <c:legend>
+      <c:legendPos val="b"/>
+      <c:overlay val="0"/>
+      <c:spPr>
+        <a:noFill/>
+        <a:ln>
+          <a:noFill/>
+        </a:ln>
+        <a:effectLst/>
+      </c:spPr>
+      <c:txPr>
+        <a:bodyPr rot="0" spcFirstLastPara="1" vertOverflow="ellipsis" vert="horz" wrap="square" anchor="ctr" anchorCtr="1"/>
+        <a:lstStyle/>
+        <a:p>
+          <a:pPr>
+            <a:defRPr sz="1197" b="0" i="0" u="none" strike="noStrike" kern="1200" baseline="0">
+              <a:solidFill>
+                <a:schemeClr val="tx1">
+                  <a:lumMod val="65000"/>
+                  <a:lumOff val="35000"/>
+                </a:schemeClr>
+              </a:solidFill>
+              <a:latin typeface="+mn-lt"/>
+              <a:ea typeface="+mn-ea"/>
+              <a:cs typeface="+mn-cs"/>
+            </a:defRPr>
+          </a:pPr>
+          <a:endParaRPr lang="sr-Latn-RS"/>
+        </a:p>
+      </c:txPr>
+    </c:legend>
+    <c:plotVisOnly val="1"/>
+    <c:dispBlanksAs val="gap"/>
+    <c:extLst>
+      <c:ext xmlns:c16r3="http://schemas.microsoft.com/office/drawing/2017/03/chart" uri="{56B9EC1D-385E-4148-901F-78D8002777C0}">
+        <c16r3:dataDisplayOptions16>
+          <c16r3:dispNaAsBlank val="1"/>
+        </c16r3:dataDisplayOptions16>
+      </c:ext>
+    </c:extLst>
+    <c:showDLblsOverMax val="0"/>
+  </c:chart>
+  <c:spPr>
+    <a:noFill/>
+    <a:ln>
+      <a:noFill/>
+    </a:ln>
+    <a:effectLst/>
+  </c:spPr>
+  <c:txPr>
+    <a:bodyPr/>
+    <a:lstStyle/>
+    <a:p>
+      <a:pPr>
+        <a:defRPr/>
+      </a:pPr>
+      <a:endParaRPr lang="sr-Latn-RS"/>
+    </a:p>
+  </c:txPr>
+  <c:externalData r:id="rId3">
+    <c:autoUpdate val="0"/>
+  </c:externalData>
+</c:chartSpace>
+</file>
+
+<file path=ppt/charts/colors1.xml><?xml version="1.0" encoding="utf-8"?>
+<cs:colorStyle xmlns:cs="http://schemas.microsoft.com/office/drawing/2012/chartStyle" xmlns:a="http://schemas.openxmlformats.org/drawingml/2006/main" meth="cycle" id="10">
+  <a:schemeClr val="accent1"/>
+  <a:schemeClr val="accent2"/>
+  <a:schemeClr val="accent3"/>
+  <a:schemeClr val="accent4"/>
+  <a:schemeClr val="accent5"/>
+  <a:schemeClr val="accent6"/>
+  <cs:variation/>
+  <cs:variation>
+    <a:lumMod val="60000"/>
+  </cs:variation>
+  <cs:variation>
+    <a:lumMod val="80000"/>
+    <a:lumOff val="20000"/>
+  </cs:variation>
+  <cs:variation>
+    <a:lumMod val="80000"/>
+  </cs:variation>
+  <cs:variation>
+    <a:lumMod val="60000"/>
+    <a:lumOff val="40000"/>
+  </cs:variation>
+  <cs:variation>
+    <a:lumMod val="50000"/>
+  </cs:variation>
+  <cs:variation>
+    <a:lumMod val="70000"/>
+    <a:lumOff val="30000"/>
+  </cs:variation>
+  <cs:variation>
+    <a:lumMod val="70000"/>
+  </cs:variation>
+  <cs:variation>
+    <a:lumMod val="50000"/>
+    <a:lumOff val="50000"/>
+  </cs:variation>
+</cs:colorStyle>
+</file>
+
+<file path=ppt/charts/style1.xml><?xml version="1.0" encoding="utf-8"?>
+<cs:chartStyle xmlns:cs="http://schemas.microsoft.com/office/drawing/2012/chartStyle" xmlns:a="http://schemas.openxmlformats.org/drawingml/2006/main" id="251">
+  <cs:axisTitle>
+    <cs:lnRef idx="0"/>
+    <cs:fillRef idx="0"/>
+    <cs:effectRef idx="0"/>
+    <cs:fontRef idx="minor">
+      <a:schemeClr val="tx1">
+        <a:lumMod val="65000"/>
+        <a:lumOff val="35000"/>
+      </a:schemeClr>
+    </cs:fontRef>
+    <cs:defRPr sz="1330" kern="1200"/>
+  </cs:axisTitle>
+  <cs:categoryAxis>
+    <cs:lnRef idx="0"/>
+    <cs:fillRef idx="0"/>
+    <cs:effectRef idx="0"/>
+    <cs:fontRef idx="minor">
+      <a:schemeClr val="tx1">
+        <a:lumMod val="65000"/>
+        <a:lumOff val="35000"/>
+      </a:schemeClr>
+    </cs:fontRef>
+    <cs:spPr>
+      <a:ln w="9525" cap="flat" cmpd="sng" algn="ctr">
+        <a:solidFill>
+          <a:schemeClr val="tx1">
+            <a:lumMod val="15000"/>
+            <a:lumOff val="85000"/>
+          </a:schemeClr>
+        </a:solidFill>
+        <a:round/>
+      </a:ln>
+    </cs:spPr>
+    <cs:defRPr sz="1197" kern="1200"/>
+  </cs:categoryAxis>
+  <cs:chartArea mods="allowNoFillOverride allowNoLineOverride">
+    <cs:lnRef idx="0"/>
+    <cs:fillRef idx="0"/>
+    <cs:effectRef idx="0"/>
+    <cs:fontRef idx="minor">
+      <a:schemeClr val="tx1"/>
+    </cs:fontRef>
+    <cs:spPr>
+      <a:solidFill>
+        <a:schemeClr val="bg1"/>
+      </a:solidFill>
+      <a:ln w="9525" cap="flat" cmpd="sng" algn="ctr">
+        <a:solidFill>
+          <a:schemeClr val="tx1">
+            <a:lumMod val="15000"/>
+            <a:lumOff val="85000"/>
+          </a:schemeClr>
+        </a:solidFill>
+        <a:round/>
+      </a:ln>
+    </cs:spPr>
+    <cs:defRPr sz="1197" kern="1200"/>
+  </cs:chartArea>
+  <cs:dataLabel>
+    <cs:lnRef idx="0"/>
+    <cs:fillRef idx="0"/>
+    <cs:effectRef idx="0"/>
+    <cs:fontRef idx="minor">
+      <a:schemeClr val="tx1">
+        <a:lumMod val="75000"/>
+        <a:lumOff val="25000"/>
+      </a:schemeClr>
+    </cs:fontRef>
+    <cs:defRPr sz="1197" kern="1200"/>
+  </cs:dataLabel>
+  <cs:dataLabelCallout>
+    <cs:lnRef idx="0"/>
+    <cs:fillRef idx="0"/>
+    <cs:effectRef idx="0"/>
+    <cs:fontRef idx="minor">
+      <a:schemeClr val="dk1">
+        <a:lumMod val="65000"/>
+        <a:lumOff val="35000"/>
+      </a:schemeClr>
+    </cs:fontRef>
+    <cs:spPr>
+      <a:solidFill>
+        <a:schemeClr val="lt1"/>
+      </a:solidFill>
+      <a:ln>
+        <a:solidFill>
+          <a:schemeClr val="dk1">
+            <a:lumMod val="25000"/>
+            <a:lumOff val="75000"/>
+          </a:schemeClr>
+        </a:solidFill>
+      </a:ln>
+    </cs:spPr>
+    <cs:defRPr sz="1197" kern="1200"/>
+    <cs:bodyPr rot="0" spcFirstLastPara="1" vertOverflow="clip" horzOverflow="clip" vert="horz" wrap="square" lIns="36576" tIns="18288" rIns="36576" bIns="18288" anchor="ctr" anchorCtr="1">
+      <a:spAutoFit/>
+    </cs:bodyPr>
+  </cs:dataLabelCallout>
+  <cs:dataPoint>
+    <cs:lnRef idx="0"/>
+    <cs:fillRef idx="1">
+      <cs:styleClr val="auto"/>
+    </cs:fillRef>
+    <cs:effectRef idx="0"/>
+    <cs:fontRef idx="minor">
+      <a:schemeClr val="tx1"/>
+    </cs:fontRef>
+    <cs:spPr>
+      <a:ln w="19050">
+        <a:solidFill>
+          <a:schemeClr val="lt1"/>
+        </a:solidFill>
+      </a:ln>
+    </cs:spPr>
+  </cs:dataPoint>
+  <cs:dataPoint3D>
+    <cs:lnRef idx="0"/>
+    <cs:fillRef idx="1">
+      <cs:styleClr val="auto"/>
+    </cs:fillRef>
+    <cs:effectRef idx="0"/>
+    <cs:fontRef idx="minor">
+      <a:schemeClr val="tx1"/>
+    </cs:fontRef>
+    <cs:spPr>
+      <a:ln w="25400">
+        <a:solidFill>
+          <a:schemeClr val="lt1"/>
+        </a:solidFill>
+      </a:ln>
+    </cs:spPr>
+  </cs:dataPoint3D>
+  <cs:dataPointLine>
+    <cs:lnRef idx="0">
+      <cs:styleClr val="auto"/>
+    </cs:lnRef>
+    <cs:fillRef idx="0"/>
+    <cs:effectRef idx="0"/>
+    <cs:fontRef idx="minor">
+      <a:schemeClr val="tx1"/>
+    </cs:fontRef>
+    <cs:spPr>
+      <a:ln w="28575" cap="rnd">
+        <a:solidFill>
+          <a:schemeClr val="phClr"/>
+        </a:solidFill>
+        <a:round/>
+      </a:ln>
+    </cs:spPr>
+  </cs:dataPointLine>
+  <cs:dataPointMarker>
+    <cs:lnRef idx="0">
+      <cs:styleClr val="auto"/>
+    </cs:lnRef>
+    <cs:fillRef idx="1">
+      <cs:styleClr val="auto"/>
+    </cs:fillRef>
+    <cs:effectRef idx="0"/>
+    <cs:fontRef idx="minor">
+      <a:schemeClr val="tx1"/>
+    </cs:fontRef>
+    <cs:spPr>
+      <a:ln w="9525">
+        <a:solidFill>
+          <a:schemeClr val="phClr"/>
+        </a:solidFill>
+      </a:ln>
+    </cs:spPr>
+  </cs:dataPointMarker>
+  <cs:dataPointMarkerLayout symbol="circle" size="5"/>
+  <cs:dataPointWireframe>
+    <cs:lnRef idx="0">
+      <cs:styleClr val="auto"/>
+    </cs:lnRef>
+    <cs:fillRef idx="0"/>
+    <cs:effectRef idx="0"/>
+    <cs:fontRef idx="minor">
+      <a:schemeClr val="tx1"/>
+    </cs:fontRef>
+    <cs:spPr>
+      <a:ln w="9525" cap="rnd">
+        <a:solidFill>
+          <a:schemeClr val="phClr"/>
+        </a:solidFill>
+        <a:round/>
+      </a:ln>
+    </cs:spPr>
+  </cs:dataPointWireframe>
+  <cs:dataTable>
+    <cs:lnRef idx="0"/>
+    <cs:fillRef idx="0"/>
+    <cs:effectRef idx="0"/>
+    <cs:fontRef idx="minor">
+      <a:schemeClr val="tx1">
+        <a:lumMod val="65000"/>
+        <a:lumOff val="35000"/>
+      </a:schemeClr>
+    </cs:fontRef>
+    <cs:spPr>
+      <a:noFill/>
+      <a:ln w="9525" cap="flat" cmpd="sng" algn="ctr">
+        <a:solidFill>
+          <a:schemeClr val="tx1">
+            <a:lumMod val="15000"/>
+            <a:lumOff val="85000"/>
+          </a:schemeClr>
+        </a:solidFill>
+        <a:round/>
+      </a:ln>
+    </cs:spPr>
+    <cs:defRPr sz="1197" kern="1200"/>
+  </cs:dataTable>
+  <cs:downBar>
+    <cs:lnRef idx="0"/>
+    <cs:fillRef idx="0"/>
+    <cs:effectRef idx="0"/>
+    <cs:fontRef idx="minor">
+      <a:schemeClr val="tx1"/>
+    </cs:fontRef>
+    <cs:spPr>
+      <a:solidFill>
+        <a:schemeClr val="dk1">
+          <a:lumMod val="75000"/>
+          <a:lumOff val="25000"/>
+        </a:schemeClr>
+      </a:solidFill>
+      <a:ln w="9525" cap="flat" cmpd="sng" algn="ctr">
+        <a:solidFill>
+          <a:schemeClr val="tx1">
+            <a:lumMod val="65000"/>
+            <a:lumOff val="35000"/>
+          </a:schemeClr>
+        </a:solidFill>
+        <a:round/>
+      </a:ln>
+    </cs:spPr>
+  </cs:downBar>
+  <cs:dropLine>
+    <cs:lnRef idx="0"/>
+    <cs:fillRef idx="0"/>
+    <cs:effectRef idx="0"/>
+    <cs:fontRef idx="minor">
+      <a:schemeClr val="tx1"/>
+    </cs:fontRef>
+    <cs:spPr>
+      <a:ln w="9525" cap="flat" cmpd="sng" algn="ctr">
+        <a:solidFill>
+          <a:schemeClr val="tx1">
+            <a:lumMod val="35000"/>
+            <a:lumOff val="65000"/>
+          </a:schemeClr>
+        </a:solidFill>
+        <a:round/>
+      </a:ln>
+    </cs:spPr>
+  </cs:dropLine>
+  <cs:errorBar>
+    <cs:lnRef idx="0"/>
+    <cs:fillRef idx="0"/>
+    <cs:effectRef idx="0"/>
+    <cs:fontRef idx="minor">
+      <a:schemeClr val="tx1"/>
+    </cs:fontRef>
+    <cs:spPr>
+      <a:ln w="9525" cap="flat" cmpd="sng" algn="ctr">
+        <a:solidFill>
+          <a:schemeClr val="tx1">
+            <a:lumMod val="65000"/>
+            <a:lumOff val="35000"/>
+          </a:schemeClr>
+        </a:solidFill>
+        <a:round/>
+      </a:ln>
+    </cs:spPr>
+  </cs:errorBar>
+  <cs:floor>
+    <cs:lnRef idx="0"/>
+    <cs:fillRef idx="0"/>
+    <cs:effectRef idx="0"/>
+    <cs:fontRef idx="minor">
+      <a:schemeClr val="tx1"/>
+    </cs:fontRef>
+    <cs:spPr>
+      <a:noFill/>
+      <a:ln>
+        <a:noFill/>
+      </a:ln>
+    </cs:spPr>
+  </cs:floor>
+  <cs:gridlineMajor>
+    <cs:lnRef idx="0"/>
+    <cs:fillRef idx="0"/>
+    <cs:effectRef idx="0"/>
+    <cs:fontRef idx="minor">
+      <a:schemeClr val="tx1"/>
+    </cs:fontRef>
+    <cs:spPr>
+      <a:ln w="9525" cap="flat" cmpd="sng" algn="ctr">
+        <a:solidFill>
+          <a:schemeClr val="tx1">
+            <a:lumMod val="15000"/>
+            <a:lumOff val="85000"/>
+          </a:schemeClr>
+        </a:solidFill>
+        <a:round/>
+      </a:ln>
+    </cs:spPr>
+  </cs:gridlineMajor>
+  <cs:gridlineMinor>
+    <cs:lnRef idx="0"/>
+    <cs:fillRef idx="0"/>
+    <cs:effectRef idx="0"/>
+    <cs:fontRef idx="minor">
+      <a:schemeClr val="tx1"/>
+    </cs:fontRef>
+    <cs:spPr>
+      <a:ln w="9525" cap="flat" cmpd="sng" algn="ctr">
+        <a:solidFill>
+          <a:schemeClr val="tx1">
+            <a:lumMod val="5000"/>
+            <a:lumOff val="95000"/>
+          </a:schemeClr>
+        </a:solidFill>
+        <a:round/>
+      </a:ln>
+    </cs:spPr>
+  </cs:gridlineMinor>
+  <cs:hiLoLine>
+    <cs:lnRef idx="0"/>
+    <cs:fillRef idx="0"/>
+    <cs:effectRef idx="0"/>
+    <cs:fontRef idx="minor">
+      <a:schemeClr val="tx1"/>
+    </cs:fontRef>
+    <cs:spPr>
+      <a:ln w="9525" cap="flat" cmpd="sng" algn="ctr">
+        <a:solidFill>
+          <a:schemeClr val="tx1">
+            <a:lumMod val="50000"/>
+            <a:lumOff val="50000"/>
+          </a:schemeClr>
+        </a:solidFill>
+        <a:round/>
+      </a:ln>
+    </cs:spPr>
+  </cs:hiLoLine>
+  <cs:leaderLine>
+    <cs:lnRef idx="0"/>
+    <cs:fillRef idx="0"/>
+    <cs:effectRef idx="0"/>
+    <cs:fontRef idx="minor">
+      <a:schemeClr val="tx1"/>
+    </cs:fontRef>
+    <cs:spPr>
+      <a:ln w="9525" cap="flat" cmpd="sng" algn="ctr">
+        <a:solidFill>
+          <a:schemeClr val="tx1">
+            <a:lumMod val="35000"/>
+            <a:lumOff val="65000"/>
+          </a:schemeClr>
+        </a:solidFill>
+        <a:round/>
+      </a:ln>
+    </cs:spPr>
+  </cs:leaderLine>
+  <cs:legend>
+    <cs:lnRef idx="0"/>
+    <cs:fillRef idx="0"/>
+    <cs:effectRef idx="0"/>
+    <cs:fontRef idx="minor">
+      <a:schemeClr val="tx1">
+        <a:lumMod val="65000"/>
+        <a:lumOff val="35000"/>
+      </a:schemeClr>
+    </cs:fontRef>
+    <cs:defRPr sz="1197" kern="1200"/>
+  </cs:legend>
+  <cs:plotArea mods="allowNoFillOverride allowNoLineOverride">
+    <cs:lnRef idx="0"/>
+    <cs:fillRef idx="0"/>
+    <cs:effectRef idx="0"/>
+    <cs:fontRef idx="minor">
+      <a:schemeClr val="tx1"/>
+    </cs:fontRef>
+  </cs:plotArea>
+  <cs:plotArea3D mods="allowNoFillOverride allowNoLineOverride">
+    <cs:lnRef idx="0"/>
+    <cs:fillRef idx="0"/>
+    <cs:effectRef idx="0"/>
+    <cs:fontRef idx="minor">
+      <a:schemeClr val="tx1"/>
+    </cs:fontRef>
+  </cs:plotArea3D>
+  <cs:seriesAxis>
+    <cs:lnRef idx="0"/>
+    <cs:fillRef idx="0"/>
+    <cs:effectRef idx="0"/>
+    <cs:fontRef idx="minor">
+      <a:schemeClr val="tx1">
+        <a:lumMod val="65000"/>
+        <a:lumOff val="35000"/>
+      </a:schemeClr>
+    </cs:fontRef>
+    <cs:defRPr sz="1197" kern="1200"/>
+  </cs:seriesAxis>
+  <cs:seriesLine>
+    <cs:lnRef idx="0"/>
+    <cs:fillRef idx="0"/>
+    <cs:effectRef idx="0"/>
+    <cs:fontRef idx="minor">
+      <a:schemeClr val="tx1"/>
+    </cs:fontRef>
+    <cs:spPr>
+      <a:ln w="9525" cap="flat" cmpd="sng" algn="ctr">
+        <a:solidFill>
+          <a:schemeClr val="tx1">
+            <a:lumMod val="35000"/>
+            <a:lumOff val="65000"/>
+          </a:schemeClr>
+        </a:solidFill>
+        <a:round/>
+      </a:ln>
+    </cs:spPr>
+  </cs:seriesLine>
+  <cs:title>
+    <cs:lnRef idx="0"/>
+    <cs:fillRef idx="0"/>
+    <cs:effectRef idx="0"/>
+    <cs:fontRef idx="minor">
+      <a:schemeClr val="tx1">
+        <a:lumMod val="65000"/>
+        <a:lumOff val="35000"/>
+      </a:schemeClr>
+    </cs:fontRef>
+    <cs:defRPr sz="1862" b="0" kern="1200" spc="0" baseline="0"/>
+  </cs:title>
+  <cs:trendline>
+    <cs:lnRef idx="0">
+      <cs:styleClr val="auto"/>
+    </cs:lnRef>
+    <cs:fillRef idx="0"/>
+    <cs:effectRef idx="0"/>
+    <cs:fontRef idx="minor">
+      <a:schemeClr val="tx1"/>
+    </cs:fontRef>
+    <cs:spPr>
+      <a:ln w="19050" cap="rnd">
+        <a:solidFill>
+          <a:schemeClr val="phClr"/>
+        </a:solidFill>
+        <a:prstDash val="sysDot"/>
+      </a:ln>
+    </cs:spPr>
+  </cs:trendline>
+  <cs:trendlineLabel>
+    <cs:lnRef idx="0"/>
+    <cs:fillRef idx="0"/>
+    <cs:effectRef idx="0"/>
+    <cs:fontRef idx="minor">
+      <a:schemeClr val="tx1">
+        <a:lumMod val="65000"/>
+        <a:lumOff val="35000"/>
+      </a:schemeClr>
+    </cs:fontRef>
+    <cs:defRPr sz="1197" kern="1200"/>
+  </cs:trendlineLabel>
+  <cs:upBar>
+    <cs:lnRef idx="0"/>
+    <cs:fillRef idx="0"/>
+    <cs:effectRef idx="0"/>
+    <cs:fontRef idx="minor">
+      <a:schemeClr val="tx1"/>
+    </cs:fontRef>
+    <cs:spPr>
+      <a:solidFill>
+        <a:schemeClr val="lt1"/>
+      </a:solidFill>
+      <a:ln w="9525" cap="flat" cmpd="sng" algn="ctr">
+        <a:solidFill>
+          <a:schemeClr val="tx1">
+            <a:lumMod val="65000"/>
+            <a:lumOff val="35000"/>
+          </a:schemeClr>
+        </a:solidFill>
+        <a:round/>
+      </a:ln>
+    </cs:spPr>
+  </cs:upBar>
+  <cs:valueAxis>
+    <cs:lnRef idx="0"/>
+    <cs:fillRef idx="0"/>
+    <cs:effectRef idx="0"/>
+    <cs:fontRef idx="minor">
+      <a:schemeClr val="tx1">
+        <a:lumMod val="65000"/>
+        <a:lumOff val="35000"/>
+      </a:schemeClr>
+    </cs:fontRef>
+    <cs:defRPr sz="1197" kern="1200"/>
+  </cs:valueAxis>
+  <cs:wall>
+    <cs:lnRef idx="0"/>
+    <cs:fillRef idx="0"/>
+    <cs:effectRef idx="0"/>
+    <cs:fontRef idx="minor">
+      <a:schemeClr val="tx1"/>
+    </cs:fontRef>
+    <cs:spPr>
+      <a:noFill/>
+      <a:ln>
+        <a:noFill/>
+      </a:ln>
+    </cs:spPr>
+  </cs:wall>
+</cs:chartStyle>
 </file>
 
 <file path=ppt/slideLayouts/slideLayout1.xml><?xml version="1.0" encoding="utf-8"?>
@@ -397,10 +1433,9 @@
           </a:lstStyle>
           <a:p>
             <a:r>
-              <a:rPr kumimoji="0" lang="en-US" smtClean="0"/>
+              <a:rPr kumimoji="0" lang="en-US"/>
               <a:t>Click to edit Master title style</a:t>
             </a:r>
-            <a:endParaRPr kumimoji="0" lang="en-US"/>
           </a:p>
         </p:txBody>
       </p:sp>
@@ -462,10 +1497,9 @@
           </a:lstStyle>
           <a:p>
             <a:r>
-              <a:rPr kumimoji="0" lang="en-US" smtClean="0"/>
+              <a:rPr kumimoji="0" lang="en-US"/>
               <a:t>Click to edit Master subtitle style</a:t>
             </a:r>
-            <a:endParaRPr kumimoji="0" lang="en-US"/>
           </a:p>
         </p:txBody>
       </p:sp>
@@ -482,14 +1516,12 @@
         <p:spPr/>
         <p:txBody>
           <a:bodyPr/>
-          <a:lstStyle>
-            <a:extLst/>
-          </a:lstStyle>
+          <a:lstStyle/>
           <a:p>
             <a:fld id="{782AB740-377D-4BC2-A984-084B0CA75466}" type="datetimeFigureOut">
               <a:rPr lang="hr-HR" smtClean="0"/>
               <a:pPr/>
-              <a:t>7.9.2019.</a:t>
+              <a:t>8.9.2021.</a:t>
             </a:fld>
             <a:endParaRPr lang="hr-HR"/>
           </a:p>
@@ -508,9 +1540,7 @@
         <p:spPr/>
         <p:txBody>
           <a:bodyPr/>
-          <a:lstStyle>
-            <a:extLst/>
-          </a:lstStyle>
+          <a:lstStyle/>
           <a:p>
             <a:endParaRPr lang="hr-HR"/>
           </a:p>
@@ -529,9 +1559,7 @@
         <p:spPr/>
         <p:txBody>
           <a:bodyPr/>
-          <a:lstStyle>
-            <a:extLst/>
-          </a:lstStyle>
+          <a:lstStyle/>
           <a:p>
             <a:fld id="{CEC22FF6-AD52-4816-A8EF-A3037EBC3E0C}" type="slidenum">
               <a:rPr lang="hr-HR" smtClean="0"/>
@@ -620,9 +1648,7 @@
         </p:style>
         <p:txBody>
           <a:bodyPr anchor="ctr"/>
-          <a:lstStyle>
-            <a:extLst/>
-          </a:lstStyle>
+          <a:lstStyle/>
           <a:p>
             <a:pPr algn="ctr" eaLnBrk="1" latinLnBrk="0" hangingPunct="1"/>
             <a:endParaRPr kumimoji="0" lang="en-US"/>
@@ -671,9 +1697,7 @@
         </p:style>
         <p:txBody>
           <a:bodyPr anchor="ctr"/>
-          <a:lstStyle>
-            <a:extLst/>
-          </a:lstStyle>
+          <a:lstStyle/>
           <a:p>
             <a:pPr algn="ctr" eaLnBrk="1" latinLnBrk="0" hangingPunct="1"/>
             <a:endParaRPr kumimoji="0" lang="en-US"/>
@@ -718,93 +1742,86 @@
         <p:spPr/>
         <p:txBody>
           <a:bodyPr/>
-          <a:lstStyle>
-            <a:extLst/>
-          </a:lstStyle>
-          <a:p>
-            <a:r>
-              <a:rPr kumimoji="0" lang="en-US" smtClean="0"/>
+          <a:lstStyle/>
+          <a:p>
+            <a:r>
+              <a:rPr kumimoji="0" lang="en-US"/>
               <a:t>Click to edit Master title style</a:t>
             </a:r>
+          </a:p>
+        </p:txBody>
+      </p:sp>
+      <p:sp>
+        <p:nvSpPr>
+          <p:cNvPr id="3" name="Vertical Text Placeholder 2"/>
+          <p:cNvSpPr>
+            <a:spLocks noGrp="1"/>
+          </p:cNvSpPr>
+          <p:nvPr>
+            <p:ph type="body" orient="vert" idx="1"/>
+          </p:nvPr>
+        </p:nvSpPr>
+        <p:spPr/>
+        <p:txBody>
+          <a:bodyPr vert="eaVert"/>
+          <a:lstStyle/>
+          <a:p>
+            <a:pPr lvl="0" eaLnBrk="1" latinLnBrk="0" hangingPunct="1"/>
+            <a:r>
+              <a:rPr lang="en-US"/>
+              <a:t>Click to edit Master text styles</a:t>
+            </a:r>
+          </a:p>
+          <a:p>
+            <a:pPr lvl="1" eaLnBrk="1" latinLnBrk="0" hangingPunct="1"/>
+            <a:r>
+              <a:rPr lang="en-US"/>
+              <a:t>Second level</a:t>
+            </a:r>
+          </a:p>
+          <a:p>
+            <a:pPr lvl="2" eaLnBrk="1" latinLnBrk="0" hangingPunct="1"/>
+            <a:r>
+              <a:rPr lang="en-US"/>
+              <a:t>Third level</a:t>
+            </a:r>
+          </a:p>
+          <a:p>
+            <a:pPr lvl="3" eaLnBrk="1" latinLnBrk="0" hangingPunct="1"/>
+            <a:r>
+              <a:rPr lang="en-US"/>
+              <a:t>Fourth level</a:t>
+            </a:r>
+          </a:p>
+          <a:p>
+            <a:pPr lvl="4" eaLnBrk="1" latinLnBrk="0" hangingPunct="1"/>
+            <a:r>
+              <a:rPr lang="en-US"/>
+              <a:t>Fifth level</a:t>
+            </a:r>
             <a:endParaRPr kumimoji="0" lang="en-US"/>
           </a:p>
         </p:txBody>
       </p:sp>
       <p:sp>
         <p:nvSpPr>
-          <p:cNvPr id="3" name="Vertical Text Placeholder 2"/>
-          <p:cNvSpPr>
-            <a:spLocks noGrp="1"/>
-          </p:cNvSpPr>
-          <p:nvPr>
-            <p:ph type="body" orient="vert" idx="1"/>
+          <p:cNvPr id="4" name="Date Placeholder 3"/>
+          <p:cNvSpPr>
+            <a:spLocks noGrp="1"/>
+          </p:cNvSpPr>
+          <p:nvPr>
+            <p:ph type="dt" sz="half" idx="10"/>
           </p:nvPr>
         </p:nvSpPr>
         <p:spPr/>
         <p:txBody>
-          <a:bodyPr vert="eaVert"/>
-          <a:lstStyle>
-            <a:extLst/>
-          </a:lstStyle>
-          <a:p>
-            <a:pPr lvl="0" eaLnBrk="1" latinLnBrk="0" hangingPunct="1"/>
-            <a:r>
-              <a:rPr lang="en-US" smtClean="0"/>
-              <a:t>Click to edit Master text styles</a:t>
-            </a:r>
-          </a:p>
-          <a:p>
-            <a:pPr lvl="1" eaLnBrk="1" latinLnBrk="0" hangingPunct="1"/>
-            <a:r>
-              <a:rPr lang="en-US" smtClean="0"/>
-              <a:t>Second level</a:t>
-            </a:r>
-          </a:p>
-          <a:p>
-            <a:pPr lvl="2" eaLnBrk="1" latinLnBrk="0" hangingPunct="1"/>
-            <a:r>
-              <a:rPr lang="en-US" smtClean="0"/>
-              <a:t>Third level</a:t>
-            </a:r>
-          </a:p>
-          <a:p>
-            <a:pPr lvl="3" eaLnBrk="1" latinLnBrk="0" hangingPunct="1"/>
-            <a:r>
-              <a:rPr lang="en-US" smtClean="0"/>
-              <a:t>Fourth level</a:t>
-            </a:r>
-          </a:p>
-          <a:p>
-            <a:pPr lvl="4" eaLnBrk="1" latinLnBrk="0" hangingPunct="1"/>
-            <a:r>
-              <a:rPr lang="en-US" smtClean="0"/>
-              <a:t>Fifth level</a:t>
-            </a:r>
-            <a:endParaRPr kumimoji="0" lang="en-US"/>
-          </a:p>
-        </p:txBody>
-      </p:sp>
-      <p:sp>
-        <p:nvSpPr>
-          <p:cNvPr id="4" name="Date Placeholder 3"/>
-          <p:cNvSpPr>
-            <a:spLocks noGrp="1"/>
-          </p:cNvSpPr>
-          <p:nvPr>
-            <p:ph type="dt" sz="half" idx="10"/>
-          </p:nvPr>
-        </p:nvSpPr>
-        <p:spPr/>
-        <p:txBody>
           <a:bodyPr/>
-          <a:lstStyle>
-            <a:extLst/>
-          </a:lstStyle>
+          <a:lstStyle/>
           <a:p>
             <a:fld id="{782AB740-377D-4BC2-A984-084B0CA75466}" type="datetimeFigureOut">
               <a:rPr lang="hr-HR" smtClean="0"/>
               <a:pPr/>
-              <a:t>7.9.2019.</a:t>
+              <a:t>8.9.2021.</a:t>
             </a:fld>
             <a:endParaRPr lang="hr-HR"/>
           </a:p>
@@ -823,9 +1840,7 @@
         <p:spPr/>
         <p:txBody>
           <a:bodyPr/>
-          <a:lstStyle>
-            <a:extLst/>
-          </a:lstStyle>
+          <a:lstStyle/>
           <a:p>
             <a:endParaRPr lang="hr-HR"/>
           </a:p>
@@ -844,9 +1859,7 @@
         <p:spPr/>
         <p:txBody>
           <a:bodyPr/>
-          <a:lstStyle>
-            <a:extLst/>
-          </a:lstStyle>
+          <a:lstStyle/>
           <a:p>
             <a:fld id="{CEC22FF6-AD52-4816-A8EF-A3037EBC3E0C}" type="slidenum">
               <a:rPr lang="hr-HR" smtClean="0"/>
@@ -900,15 +1913,12 @@
         </p:spPr>
         <p:txBody>
           <a:bodyPr vert="eaVert"/>
-          <a:lstStyle>
-            <a:extLst/>
-          </a:lstStyle>
-          <a:p>
-            <a:r>
-              <a:rPr kumimoji="0" lang="en-US" smtClean="0"/>
+          <a:lstStyle/>
+          <a:p>
+            <a:r>
+              <a:rPr kumimoji="0" lang="en-US"/>
               <a:t>Click to edit Master title style</a:t>
             </a:r>
-            <a:endParaRPr kumimoji="0" lang="en-US"/>
           </a:p>
         </p:txBody>
       </p:sp>
@@ -930,41 +1940,39 @@
         </p:spPr>
         <p:txBody>
           <a:bodyPr vert="eaVert"/>
-          <a:lstStyle>
-            <a:extLst/>
-          </a:lstStyle>
+          <a:lstStyle/>
           <a:p>
             <a:pPr lvl="0" eaLnBrk="1" latinLnBrk="0" hangingPunct="1"/>
             <a:r>
-              <a:rPr lang="en-US" smtClean="0"/>
+              <a:rPr lang="en-US"/>
               <a:t>Click to edit Master text styles</a:t>
             </a:r>
           </a:p>
           <a:p>
             <a:pPr lvl="1" eaLnBrk="1" latinLnBrk="0" hangingPunct="1"/>
             <a:r>
-              <a:rPr lang="en-US" smtClean="0"/>
+              <a:rPr lang="en-US"/>
               <a:t>Second level</a:t>
             </a:r>
           </a:p>
           <a:p>
             <a:pPr lvl="2" eaLnBrk="1" latinLnBrk="0" hangingPunct="1"/>
             <a:r>
-              <a:rPr lang="en-US" smtClean="0"/>
+              <a:rPr lang="en-US"/>
               <a:t>Third level</a:t>
             </a:r>
           </a:p>
           <a:p>
             <a:pPr lvl="3" eaLnBrk="1" latinLnBrk="0" hangingPunct="1"/>
             <a:r>
-              <a:rPr lang="en-US" smtClean="0"/>
+              <a:rPr lang="en-US"/>
               <a:t>Fourth level</a:t>
             </a:r>
           </a:p>
           <a:p>
             <a:pPr lvl="4" eaLnBrk="1" latinLnBrk="0" hangingPunct="1"/>
             <a:r>
-              <a:rPr lang="en-US" smtClean="0"/>
+              <a:rPr lang="en-US"/>
               <a:t>Fifth level</a:t>
             </a:r>
             <a:endParaRPr kumimoji="0" lang="en-US"/>
@@ -984,14 +1992,12 @@
         <p:spPr/>
         <p:txBody>
           <a:bodyPr/>
-          <a:lstStyle>
-            <a:extLst/>
-          </a:lstStyle>
+          <a:lstStyle/>
           <a:p>
             <a:fld id="{782AB740-377D-4BC2-A984-084B0CA75466}" type="datetimeFigureOut">
               <a:rPr lang="hr-HR" smtClean="0"/>
               <a:pPr/>
-              <a:t>7.9.2019.</a:t>
+              <a:t>8.9.2021.</a:t>
             </a:fld>
             <a:endParaRPr lang="hr-HR"/>
           </a:p>
@@ -1010,9 +2016,7 @@
         <p:spPr/>
         <p:txBody>
           <a:bodyPr/>
-          <a:lstStyle>
-            <a:extLst/>
-          </a:lstStyle>
+          <a:lstStyle/>
           <a:p>
             <a:endParaRPr lang="hr-HR"/>
           </a:p>
@@ -1031,9 +2035,7 @@
         <p:spPr/>
         <p:txBody>
           <a:bodyPr/>
-          <a:lstStyle>
-            <a:extLst/>
-          </a:lstStyle>
+          <a:lstStyle/>
           <a:p>
             <a:fld id="{CEC22FF6-AD52-4816-A8EF-A3037EBC3E0C}" type="slidenum">
               <a:rPr lang="hr-HR" smtClean="0"/>
@@ -1082,93 +2084,86 @@
         <p:spPr/>
         <p:txBody>
           <a:bodyPr/>
-          <a:lstStyle>
-            <a:extLst/>
-          </a:lstStyle>
-          <a:p>
-            <a:r>
-              <a:rPr kumimoji="0" lang="en-US" smtClean="0"/>
+          <a:lstStyle/>
+          <a:p>
+            <a:r>
+              <a:rPr kumimoji="0" lang="en-US"/>
               <a:t>Click to edit Master title style</a:t>
             </a:r>
+          </a:p>
+        </p:txBody>
+      </p:sp>
+      <p:sp>
+        <p:nvSpPr>
+          <p:cNvPr id="3" name="Content Placeholder 2"/>
+          <p:cNvSpPr>
+            <a:spLocks noGrp="1"/>
+          </p:cNvSpPr>
+          <p:nvPr>
+            <p:ph idx="1"/>
+          </p:nvPr>
+        </p:nvSpPr>
+        <p:spPr/>
+        <p:txBody>
+          <a:bodyPr/>
+          <a:lstStyle/>
+          <a:p>
+            <a:pPr lvl="0" eaLnBrk="1" latinLnBrk="0" hangingPunct="1"/>
+            <a:r>
+              <a:rPr lang="en-US"/>
+              <a:t>Click to edit Master text styles</a:t>
+            </a:r>
+          </a:p>
+          <a:p>
+            <a:pPr lvl="1" eaLnBrk="1" latinLnBrk="0" hangingPunct="1"/>
+            <a:r>
+              <a:rPr lang="en-US"/>
+              <a:t>Second level</a:t>
+            </a:r>
+          </a:p>
+          <a:p>
+            <a:pPr lvl="2" eaLnBrk="1" latinLnBrk="0" hangingPunct="1"/>
+            <a:r>
+              <a:rPr lang="en-US"/>
+              <a:t>Third level</a:t>
+            </a:r>
+          </a:p>
+          <a:p>
+            <a:pPr lvl="3" eaLnBrk="1" latinLnBrk="0" hangingPunct="1"/>
+            <a:r>
+              <a:rPr lang="en-US"/>
+              <a:t>Fourth level</a:t>
+            </a:r>
+          </a:p>
+          <a:p>
+            <a:pPr lvl="4" eaLnBrk="1" latinLnBrk="0" hangingPunct="1"/>
+            <a:r>
+              <a:rPr lang="en-US"/>
+              <a:t>Fifth level</a:t>
+            </a:r>
             <a:endParaRPr kumimoji="0" lang="en-US"/>
           </a:p>
         </p:txBody>
       </p:sp>
       <p:sp>
         <p:nvSpPr>
-          <p:cNvPr id="3" name="Content Placeholder 2"/>
-          <p:cNvSpPr>
-            <a:spLocks noGrp="1"/>
-          </p:cNvSpPr>
-          <p:nvPr>
-            <p:ph idx="1"/>
+          <p:cNvPr id="4" name="Date Placeholder 3"/>
+          <p:cNvSpPr>
+            <a:spLocks noGrp="1"/>
+          </p:cNvSpPr>
+          <p:nvPr>
+            <p:ph type="dt" sz="half" idx="10"/>
           </p:nvPr>
         </p:nvSpPr>
         <p:spPr/>
         <p:txBody>
           <a:bodyPr/>
-          <a:lstStyle>
-            <a:extLst/>
-          </a:lstStyle>
-          <a:p>
-            <a:pPr lvl="0" eaLnBrk="1" latinLnBrk="0" hangingPunct="1"/>
-            <a:r>
-              <a:rPr lang="en-US" smtClean="0"/>
-              <a:t>Click to edit Master text styles</a:t>
-            </a:r>
-          </a:p>
-          <a:p>
-            <a:pPr lvl="1" eaLnBrk="1" latinLnBrk="0" hangingPunct="1"/>
-            <a:r>
-              <a:rPr lang="en-US" smtClean="0"/>
-              <a:t>Second level</a:t>
-            </a:r>
-          </a:p>
-          <a:p>
-            <a:pPr lvl="2" eaLnBrk="1" latinLnBrk="0" hangingPunct="1"/>
-            <a:r>
-              <a:rPr lang="en-US" smtClean="0"/>
-              <a:t>Third level</a:t>
-            </a:r>
-          </a:p>
-          <a:p>
-            <a:pPr lvl="3" eaLnBrk="1" latinLnBrk="0" hangingPunct="1"/>
-            <a:r>
-              <a:rPr lang="en-US" smtClean="0"/>
-              <a:t>Fourth level</a:t>
-            </a:r>
-          </a:p>
-          <a:p>
-            <a:pPr lvl="4" eaLnBrk="1" latinLnBrk="0" hangingPunct="1"/>
-            <a:r>
-              <a:rPr lang="en-US" smtClean="0"/>
-              <a:t>Fifth level</a:t>
-            </a:r>
-            <a:endParaRPr kumimoji="0" lang="en-US"/>
-          </a:p>
-        </p:txBody>
-      </p:sp>
-      <p:sp>
-        <p:nvSpPr>
-          <p:cNvPr id="4" name="Date Placeholder 3"/>
-          <p:cNvSpPr>
-            <a:spLocks noGrp="1"/>
-          </p:cNvSpPr>
-          <p:nvPr>
-            <p:ph type="dt" sz="half" idx="10"/>
-          </p:nvPr>
-        </p:nvSpPr>
-        <p:spPr/>
-        <p:txBody>
-          <a:bodyPr/>
-          <a:lstStyle>
-            <a:extLst/>
-          </a:lstStyle>
+          <a:lstStyle/>
           <a:p>
             <a:fld id="{782AB740-377D-4BC2-A984-084B0CA75466}" type="datetimeFigureOut">
               <a:rPr lang="hr-HR" smtClean="0"/>
               <a:pPr/>
-              <a:t>7.9.2019.</a:t>
+              <a:t>8.9.2021.</a:t>
             </a:fld>
             <a:endParaRPr lang="hr-HR"/>
           </a:p>
@@ -1187,9 +2182,7 @@
         <p:spPr/>
         <p:txBody>
           <a:bodyPr/>
-          <a:lstStyle>
-            <a:extLst/>
-          </a:lstStyle>
+          <a:lstStyle/>
           <a:p>
             <a:endParaRPr lang="hr-HR"/>
           </a:p>
@@ -1208,9 +2201,7 @@
         <p:spPr/>
         <p:txBody>
           <a:bodyPr/>
-          <a:lstStyle>
-            <a:extLst/>
-          </a:lstStyle>
+          <a:lstStyle/>
           <a:p>
             <a:fld id="{CEC22FF6-AD52-4816-A8EF-A3037EBC3E0C}" type="slidenum">
               <a:rPr lang="hr-HR" smtClean="0"/>
@@ -1285,9 +2276,7 @@
         </p:style>
         <p:txBody>
           <a:bodyPr anchor="ctr"/>
-          <a:lstStyle>
-            <a:extLst/>
-          </a:lstStyle>
+          <a:lstStyle/>
           <a:p>
             <a:pPr algn="ctr" eaLnBrk="1" latinLnBrk="0" hangingPunct="1"/>
             <a:endParaRPr kumimoji="0" lang="en-US"/>
@@ -1324,10 +2313,9 @@
           </a:lstStyle>
           <a:p>
             <a:r>
-              <a:rPr kumimoji="0" lang="en-US" smtClean="0"/>
+              <a:rPr kumimoji="0" lang="en-US"/>
               <a:t>Click to edit Master title style</a:t>
             </a:r>
-            <a:endParaRPr kumimoji="0" lang="en-US"/>
           </a:p>
         </p:txBody>
       </p:sp>
@@ -1412,7 +2400,7 @@
           <a:p>
             <a:pPr lvl="0" eaLnBrk="1" latinLnBrk="0" hangingPunct="1"/>
             <a:r>
-              <a:rPr kumimoji="0" lang="en-US" smtClean="0"/>
+              <a:rPr kumimoji="0" lang="en-US"/>
               <a:t>Click to edit Master text styles</a:t>
             </a:r>
           </a:p>
@@ -1431,14 +2419,12 @@
         <p:spPr/>
         <p:txBody>
           <a:bodyPr/>
-          <a:lstStyle>
-            <a:extLst/>
-          </a:lstStyle>
+          <a:lstStyle/>
           <a:p>
             <a:fld id="{782AB740-377D-4BC2-A984-084B0CA75466}" type="datetimeFigureOut">
               <a:rPr lang="hr-HR" smtClean="0"/>
               <a:pPr/>
-              <a:t>7.9.2019.</a:t>
+              <a:t>8.9.2021.</a:t>
             </a:fld>
             <a:endParaRPr lang="hr-HR"/>
           </a:p>
@@ -1457,9 +2443,7 @@
         <p:spPr/>
         <p:txBody>
           <a:bodyPr/>
-          <a:lstStyle>
-            <a:extLst/>
-          </a:lstStyle>
+          <a:lstStyle/>
           <a:p>
             <a:endParaRPr lang="hr-HR"/>
           </a:p>
@@ -1478,9 +2462,7 @@
         <p:spPr/>
         <p:txBody>
           <a:bodyPr/>
-          <a:lstStyle>
-            <a:extLst/>
-          </a:lstStyle>
+          <a:lstStyle/>
           <a:p>
             <a:fld id="{CEC22FF6-AD52-4816-A8EF-A3037EBC3E0C}" type="slidenum">
               <a:rPr lang="hr-HR" smtClean="0"/>
@@ -1538,9 +2520,7 @@
         </p:style>
         <p:txBody>
           <a:bodyPr anchor="ctr"/>
-          <a:lstStyle>
-            <a:extLst/>
-          </a:lstStyle>
+          <a:lstStyle/>
           <a:p>
             <a:pPr algn="ctr" eaLnBrk="1" latinLnBrk="0" hangingPunct="1"/>
             <a:endParaRPr kumimoji="0" lang="en-US"/>
@@ -1625,9 +2605,7 @@
         </p:style>
         <p:txBody>
           <a:bodyPr anchor="ctr"/>
-          <a:lstStyle>
-            <a:extLst/>
-          </a:lstStyle>
+          <a:lstStyle/>
           <a:p>
             <a:pPr algn="ctr" eaLnBrk="1" latinLnBrk="0" hangingPunct="1"/>
             <a:endParaRPr kumimoji="0" lang="en-US"/>
@@ -1676,9 +2654,7 @@
         </p:style>
         <p:txBody>
           <a:bodyPr anchor="ctr"/>
-          <a:lstStyle>
-            <a:extLst/>
-          </a:lstStyle>
+          <a:lstStyle/>
           <a:p>
             <a:pPr algn="ctr" eaLnBrk="1" latinLnBrk="0" hangingPunct="1"/>
             <a:endParaRPr kumimoji="0" lang="en-US"/>
@@ -1728,15 +2704,12 @@
         </p:spPr>
         <p:txBody>
           <a:bodyPr/>
-          <a:lstStyle>
-            <a:extLst/>
-          </a:lstStyle>
-          <a:p>
-            <a:r>
-              <a:rPr kumimoji="0" lang="en-US" smtClean="0"/>
+          <a:lstStyle/>
+          <a:p>
+            <a:r>
+              <a:rPr kumimoji="0" lang="en-US"/>
               <a:t>Click to edit Master title style</a:t>
             </a:r>
-            <a:endParaRPr kumimoji="0" lang="en-US"/>
           </a:p>
         </p:txBody>
       </p:sp>
@@ -1779,35 +2752,35 @@
           <a:p>
             <a:pPr lvl="0" eaLnBrk="1" latinLnBrk="0" hangingPunct="1"/>
             <a:r>
-              <a:rPr lang="en-US" smtClean="0"/>
+              <a:rPr lang="en-US"/>
               <a:t>Click to edit Master text styles</a:t>
             </a:r>
           </a:p>
           <a:p>
             <a:pPr lvl="1" eaLnBrk="1" latinLnBrk="0" hangingPunct="1"/>
             <a:r>
-              <a:rPr lang="en-US" smtClean="0"/>
+              <a:rPr lang="en-US"/>
               <a:t>Second level</a:t>
             </a:r>
           </a:p>
           <a:p>
             <a:pPr lvl="2" eaLnBrk="1" latinLnBrk="0" hangingPunct="1"/>
             <a:r>
-              <a:rPr lang="en-US" smtClean="0"/>
+              <a:rPr lang="en-US"/>
               <a:t>Third level</a:t>
             </a:r>
           </a:p>
           <a:p>
             <a:pPr lvl="3" eaLnBrk="1" latinLnBrk="0" hangingPunct="1"/>
             <a:r>
-              <a:rPr lang="en-US" smtClean="0"/>
+              <a:rPr lang="en-US"/>
               <a:t>Fourth level</a:t>
             </a:r>
           </a:p>
           <a:p>
             <a:pPr lvl="4" eaLnBrk="1" latinLnBrk="0" hangingPunct="1"/>
             <a:r>
-              <a:rPr lang="en-US" smtClean="0"/>
+              <a:rPr lang="en-US"/>
               <a:t>Fifth level</a:t>
             </a:r>
             <a:endParaRPr kumimoji="0" lang="en-US"/>
@@ -1853,35 +2826,35 @@
           <a:p>
             <a:pPr lvl="0" eaLnBrk="1" latinLnBrk="0" hangingPunct="1"/>
             <a:r>
-              <a:rPr lang="en-US" smtClean="0"/>
+              <a:rPr lang="en-US"/>
               <a:t>Click to edit Master text styles</a:t>
             </a:r>
           </a:p>
           <a:p>
             <a:pPr lvl="1" eaLnBrk="1" latinLnBrk="0" hangingPunct="1"/>
             <a:r>
-              <a:rPr lang="en-US" smtClean="0"/>
+              <a:rPr lang="en-US"/>
               <a:t>Second level</a:t>
             </a:r>
           </a:p>
           <a:p>
             <a:pPr lvl="2" eaLnBrk="1" latinLnBrk="0" hangingPunct="1"/>
             <a:r>
-              <a:rPr lang="en-US" smtClean="0"/>
+              <a:rPr lang="en-US"/>
               <a:t>Third level</a:t>
             </a:r>
           </a:p>
           <a:p>
             <a:pPr lvl="3" eaLnBrk="1" latinLnBrk="0" hangingPunct="1"/>
             <a:r>
-              <a:rPr lang="en-US" smtClean="0"/>
+              <a:rPr lang="en-US"/>
               <a:t>Fourth level</a:t>
             </a:r>
           </a:p>
           <a:p>
             <a:pPr lvl="4" eaLnBrk="1" latinLnBrk="0" hangingPunct="1"/>
             <a:r>
-              <a:rPr lang="en-US" smtClean="0"/>
+              <a:rPr lang="en-US"/>
               <a:t>Fifth level</a:t>
             </a:r>
             <a:endParaRPr kumimoji="0" lang="en-US"/>
@@ -1901,14 +2874,12 @@
         <p:spPr/>
         <p:txBody>
           <a:bodyPr/>
-          <a:lstStyle>
-            <a:extLst/>
-          </a:lstStyle>
+          <a:lstStyle/>
           <a:p>
             <a:fld id="{782AB740-377D-4BC2-A984-084B0CA75466}" type="datetimeFigureOut">
               <a:rPr lang="hr-HR" smtClean="0"/>
               <a:pPr/>
-              <a:t>7.9.2019.</a:t>
+              <a:t>8.9.2021.</a:t>
             </a:fld>
             <a:endParaRPr lang="hr-HR"/>
           </a:p>
@@ -1927,9 +2898,7 @@
         <p:spPr/>
         <p:txBody>
           <a:bodyPr/>
-          <a:lstStyle>
-            <a:extLst/>
-          </a:lstStyle>
+          <a:lstStyle/>
           <a:p>
             <a:endParaRPr lang="hr-HR"/>
           </a:p>
@@ -1948,9 +2917,7 @@
         <p:spPr/>
         <p:txBody>
           <a:bodyPr/>
-          <a:lstStyle>
-            <a:extLst/>
-          </a:lstStyle>
+          <a:lstStyle/>
           <a:p>
             <a:fld id="{CEC22FF6-AD52-4816-A8EF-A3037EBC3E0C}" type="slidenum">
               <a:rPr lang="hr-HR" smtClean="0"/>
@@ -2012,10 +2979,9 @@
           </a:lstStyle>
           <a:p>
             <a:r>
-              <a:rPr kumimoji="0" lang="en-US" smtClean="0"/>
+              <a:rPr kumimoji="0" lang="en-US"/>
               <a:t>Click to edit Master title style</a:t>
             </a:r>
-            <a:endParaRPr kumimoji="0" lang="en-US"/>
           </a:p>
         </p:txBody>
       </p:sp>
@@ -2082,7 +3048,7 @@
           <a:p>
             <a:pPr lvl="0" eaLnBrk="1" latinLnBrk="0" hangingPunct="1"/>
             <a:r>
-              <a:rPr kumimoji="0" lang="en-US" smtClean="0"/>
+              <a:rPr kumimoji="0" lang="en-US"/>
               <a:t>Click to edit Master text styles</a:t>
             </a:r>
           </a:p>
@@ -2151,7 +3117,7 @@
           <a:p>
             <a:pPr lvl="0" eaLnBrk="1" latinLnBrk="0" hangingPunct="1"/>
             <a:r>
-              <a:rPr kumimoji="0" lang="en-US" smtClean="0"/>
+              <a:rPr kumimoji="0" lang="en-US"/>
               <a:t>Click to edit Master text styles</a:t>
             </a:r>
           </a:p>
@@ -2233,35 +3199,35 @@
           <a:p>
             <a:pPr lvl="0" eaLnBrk="1" latinLnBrk="0" hangingPunct="1"/>
             <a:r>
-              <a:rPr lang="en-US" smtClean="0"/>
+              <a:rPr lang="en-US"/>
               <a:t>Click to edit Master text styles</a:t>
             </a:r>
           </a:p>
           <a:p>
             <a:pPr lvl="1" eaLnBrk="1" latinLnBrk="0" hangingPunct="1"/>
             <a:r>
-              <a:rPr lang="en-US" smtClean="0"/>
+              <a:rPr lang="en-US"/>
               <a:t>Second level</a:t>
             </a:r>
           </a:p>
           <a:p>
             <a:pPr lvl="2" eaLnBrk="1" latinLnBrk="0" hangingPunct="1"/>
             <a:r>
-              <a:rPr lang="en-US" smtClean="0"/>
+              <a:rPr lang="en-US"/>
               <a:t>Third level</a:t>
             </a:r>
           </a:p>
           <a:p>
             <a:pPr lvl="3" eaLnBrk="1" latinLnBrk="0" hangingPunct="1"/>
             <a:r>
-              <a:rPr lang="en-US" smtClean="0"/>
+              <a:rPr lang="en-US"/>
               <a:t>Fourth level</a:t>
             </a:r>
           </a:p>
           <a:p>
             <a:pPr lvl="4" eaLnBrk="1" latinLnBrk="0" hangingPunct="1"/>
             <a:r>
-              <a:rPr lang="en-US" smtClean="0"/>
+              <a:rPr lang="en-US"/>
               <a:t>Fifth level</a:t>
             </a:r>
             <a:endParaRPr kumimoji="0" lang="en-US"/>
@@ -2344,35 +3310,35 @@
           <a:p>
             <a:pPr lvl="0" eaLnBrk="1" latinLnBrk="0" hangingPunct="1"/>
             <a:r>
-              <a:rPr lang="en-US" smtClean="0"/>
+              <a:rPr lang="en-US"/>
               <a:t>Click to edit Master text styles</a:t>
             </a:r>
           </a:p>
           <a:p>
             <a:pPr lvl="1" eaLnBrk="1" latinLnBrk="0" hangingPunct="1"/>
             <a:r>
-              <a:rPr lang="en-US" smtClean="0"/>
+              <a:rPr lang="en-US"/>
               <a:t>Second level</a:t>
             </a:r>
           </a:p>
           <a:p>
             <a:pPr lvl="2" eaLnBrk="1" latinLnBrk="0" hangingPunct="1"/>
             <a:r>
-              <a:rPr lang="en-US" smtClean="0"/>
+              <a:rPr lang="en-US"/>
               <a:t>Third level</a:t>
             </a:r>
           </a:p>
           <a:p>
             <a:pPr lvl="3" eaLnBrk="1" latinLnBrk="0" hangingPunct="1"/>
             <a:r>
-              <a:rPr lang="en-US" smtClean="0"/>
+              <a:rPr lang="en-US"/>
               <a:t>Fourth level</a:t>
             </a:r>
           </a:p>
           <a:p>
             <a:pPr lvl="4" eaLnBrk="1" latinLnBrk="0" hangingPunct="1"/>
             <a:r>
-              <a:rPr lang="en-US" smtClean="0"/>
+              <a:rPr lang="en-US"/>
               <a:t>Fifth level</a:t>
             </a:r>
             <a:endParaRPr kumimoji="0" lang="en-US"/>
@@ -2392,14 +3358,12 @@
         <p:spPr/>
         <p:txBody>
           <a:bodyPr/>
-          <a:lstStyle>
-            <a:extLst/>
-          </a:lstStyle>
+          <a:lstStyle/>
           <a:p>
             <a:fld id="{782AB740-377D-4BC2-A984-084B0CA75466}" type="datetimeFigureOut">
               <a:rPr lang="hr-HR" smtClean="0"/>
               <a:pPr/>
-              <a:t>7.9.2019.</a:t>
+              <a:t>8.9.2021.</a:t>
             </a:fld>
             <a:endParaRPr lang="hr-HR"/>
           </a:p>
@@ -2418,9 +3382,7 @@
         <p:spPr/>
         <p:txBody>
           <a:bodyPr/>
-          <a:lstStyle>
-            <a:extLst/>
-          </a:lstStyle>
+          <a:lstStyle/>
           <a:p>
             <a:endParaRPr lang="hr-HR"/>
           </a:p>
@@ -2439,9 +3401,7 @@
         <p:spPr/>
         <p:txBody>
           <a:bodyPr/>
-          <a:lstStyle>
-            <a:extLst/>
-          </a:lstStyle>
+          <a:lstStyle/>
           <a:p>
             <a:fld id="{CEC22FF6-AD52-4816-A8EF-A3037EBC3E0C}" type="slidenum">
               <a:rPr lang="hr-HR" smtClean="0"/>
@@ -2495,15 +3455,12 @@
         </p:spPr>
         <p:txBody>
           <a:bodyPr anchor="ctr"/>
-          <a:lstStyle>
-            <a:extLst/>
-          </a:lstStyle>
-          <a:p>
-            <a:r>
-              <a:rPr kumimoji="0" lang="en-US" smtClean="0"/>
+          <a:lstStyle/>
+          <a:p>
+            <a:r>
+              <a:rPr kumimoji="0" lang="en-US"/>
               <a:t>Click to edit Master title style</a:t>
             </a:r>
-            <a:endParaRPr kumimoji="0" lang="en-US"/>
           </a:p>
         </p:txBody>
       </p:sp>
@@ -2520,14 +3477,12 @@
         <p:spPr/>
         <p:txBody>
           <a:bodyPr/>
-          <a:lstStyle>
-            <a:extLst/>
-          </a:lstStyle>
+          <a:lstStyle/>
           <a:p>
             <a:fld id="{782AB740-377D-4BC2-A984-084B0CA75466}" type="datetimeFigureOut">
               <a:rPr lang="hr-HR" smtClean="0"/>
               <a:pPr/>
-              <a:t>7.9.2019.</a:t>
+              <a:t>8.9.2021.</a:t>
             </a:fld>
             <a:endParaRPr lang="hr-HR"/>
           </a:p>
@@ -2546,9 +3501,7 @@
         <p:spPr/>
         <p:txBody>
           <a:bodyPr/>
-          <a:lstStyle>
-            <a:extLst/>
-          </a:lstStyle>
+          <a:lstStyle/>
           <a:p>
             <a:endParaRPr lang="hr-HR"/>
           </a:p>
@@ -2567,9 +3520,7 @@
         <p:spPr/>
         <p:txBody>
           <a:bodyPr/>
-          <a:lstStyle>
-            <a:extLst/>
-          </a:lstStyle>
+          <a:lstStyle/>
           <a:p>
             <a:fld id="{CEC22FF6-AD52-4816-A8EF-A3037EBC3E0C}" type="slidenum">
               <a:rPr lang="hr-HR" smtClean="0"/>
@@ -2644,9 +3595,7 @@
         </p:style>
         <p:txBody>
           <a:bodyPr anchor="ctr"/>
-          <a:lstStyle>
-            <a:extLst/>
-          </a:lstStyle>
+          <a:lstStyle/>
           <a:p>
             <a:pPr algn="ctr" eaLnBrk="1" latinLnBrk="0" hangingPunct="1"/>
             <a:endParaRPr kumimoji="0" lang="en-US"/>
@@ -2666,14 +3615,12 @@
         <p:spPr/>
         <p:txBody>
           <a:bodyPr/>
-          <a:lstStyle>
-            <a:extLst/>
-          </a:lstStyle>
+          <a:lstStyle/>
           <a:p>
             <a:fld id="{782AB740-377D-4BC2-A984-084B0CA75466}" type="datetimeFigureOut">
               <a:rPr lang="hr-HR" smtClean="0"/>
               <a:pPr/>
-              <a:t>7.9.2019.</a:t>
+              <a:t>8.9.2021.</a:t>
             </a:fld>
             <a:endParaRPr lang="hr-HR"/>
           </a:p>
@@ -2692,9 +3639,7 @@
         <p:spPr/>
         <p:txBody>
           <a:bodyPr/>
-          <a:lstStyle>
-            <a:extLst/>
-          </a:lstStyle>
+          <a:lstStyle/>
           <a:p>
             <a:endParaRPr lang="hr-HR"/>
           </a:p>
@@ -2713,9 +3658,7 @@
         <p:spPr/>
         <p:txBody>
           <a:bodyPr/>
-          <a:lstStyle>
-            <a:extLst/>
-          </a:lstStyle>
+          <a:lstStyle/>
           <a:p>
             <a:fld id="{CEC22FF6-AD52-4816-A8EF-A3037EBC3E0C}" type="slidenum">
               <a:rPr lang="hr-HR" smtClean="0"/>
@@ -2773,9 +3716,7 @@
         </p:style>
         <p:txBody>
           <a:bodyPr anchor="ctr"/>
-          <a:lstStyle>
-            <a:extLst/>
-          </a:lstStyle>
+          <a:lstStyle/>
           <a:p>
             <a:pPr algn="ctr" eaLnBrk="1" latinLnBrk="0" hangingPunct="1"/>
             <a:endParaRPr kumimoji="0" lang="en-US"/>
@@ -2840,10 +3781,9 @@
           </a:lstStyle>
           <a:p>
             <a:r>
-              <a:rPr kumimoji="0" lang="en-US" smtClean="0"/>
+              <a:rPr kumimoji="0" lang="en-US"/>
               <a:t>Click to edit Master title style</a:t>
             </a:r>
-            <a:endParaRPr kumimoji="0" lang="en-US"/>
           </a:p>
         </p:txBody>
       </p:sp>
@@ -2897,7 +3837,7 @@
           <a:p>
             <a:pPr lvl="0" eaLnBrk="1" latinLnBrk="0" hangingPunct="1"/>
             <a:r>
-              <a:rPr kumimoji="0" lang="en-US" smtClean="0"/>
+              <a:rPr kumimoji="0" lang="en-US"/>
               <a:t>Click to edit Master text styles</a:t>
             </a:r>
           </a:p>
@@ -2942,35 +3882,35 @@
           <a:p>
             <a:pPr lvl="0" eaLnBrk="1" latinLnBrk="0" hangingPunct="1"/>
             <a:r>
-              <a:rPr lang="en-US" smtClean="0"/>
+              <a:rPr lang="en-US"/>
               <a:t>Click to edit Master text styles</a:t>
             </a:r>
           </a:p>
           <a:p>
             <a:pPr lvl="1" eaLnBrk="1" latinLnBrk="0" hangingPunct="1"/>
             <a:r>
-              <a:rPr lang="en-US" smtClean="0"/>
+              <a:rPr lang="en-US"/>
               <a:t>Second level</a:t>
             </a:r>
           </a:p>
           <a:p>
             <a:pPr lvl="2" eaLnBrk="1" latinLnBrk="0" hangingPunct="1"/>
             <a:r>
-              <a:rPr lang="en-US" smtClean="0"/>
+              <a:rPr lang="en-US"/>
               <a:t>Third level</a:t>
             </a:r>
           </a:p>
           <a:p>
             <a:pPr lvl="3" eaLnBrk="1" latinLnBrk="0" hangingPunct="1"/>
             <a:r>
-              <a:rPr lang="en-US" smtClean="0"/>
+              <a:rPr lang="en-US"/>
               <a:t>Fourth level</a:t>
             </a:r>
           </a:p>
           <a:p>
             <a:pPr lvl="4" eaLnBrk="1" latinLnBrk="0" hangingPunct="1"/>
             <a:r>
-              <a:rPr lang="en-US" smtClean="0"/>
+              <a:rPr lang="en-US"/>
               <a:t>Fifth level</a:t>
             </a:r>
             <a:endParaRPr kumimoji="0" lang="en-US"/>
@@ -2990,14 +3930,12 @@
         <p:spPr/>
         <p:txBody>
           <a:bodyPr/>
-          <a:lstStyle>
-            <a:extLst/>
-          </a:lstStyle>
+          <a:lstStyle/>
           <a:p>
             <a:fld id="{782AB740-377D-4BC2-A984-084B0CA75466}" type="datetimeFigureOut">
               <a:rPr lang="hr-HR" smtClean="0"/>
               <a:pPr/>
-              <a:t>7.9.2019.</a:t>
+              <a:t>8.9.2021.</a:t>
             </a:fld>
             <a:endParaRPr lang="hr-HR"/>
           </a:p>
@@ -3016,9 +3954,7 @@
         <p:spPr/>
         <p:txBody>
           <a:bodyPr/>
-          <a:lstStyle>
-            <a:extLst/>
-          </a:lstStyle>
+          <a:lstStyle/>
           <a:p>
             <a:endParaRPr lang="hr-HR"/>
           </a:p>
@@ -3037,9 +3973,7 @@
         <p:spPr/>
         <p:txBody>
           <a:bodyPr/>
-          <a:lstStyle>
-            <a:extLst/>
-          </a:lstStyle>
+          <a:lstStyle/>
           <a:p>
             <a:fld id="{CEC22FF6-AD52-4816-A8EF-A3037EBC3E0C}" type="slidenum">
               <a:rPr lang="hr-HR" smtClean="0"/>
@@ -3106,10 +4040,9 @@
           </a:lstStyle>
           <a:p>
             <a:r>
-              <a:rPr kumimoji="0" lang="en-US" smtClean="0"/>
+              <a:rPr kumimoji="0" lang="en-US"/>
               <a:t>Click to edit Master title style</a:t>
             </a:r>
-            <a:endParaRPr kumimoji="0" lang="en-US"/>
           </a:p>
         </p:txBody>
       </p:sp>
@@ -3126,14 +4059,12 @@
         <p:spPr/>
         <p:txBody>
           <a:bodyPr/>
-          <a:lstStyle>
-            <a:extLst/>
-          </a:lstStyle>
+          <a:lstStyle/>
           <a:p>
             <a:fld id="{782AB740-377D-4BC2-A984-084B0CA75466}" type="datetimeFigureOut">
               <a:rPr lang="hr-HR" smtClean="0"/>
               <a:pPr/>
-              <a:t>7.9.2019.</a:t>
+              <a:t>8.9.2021.</a:t>
             </a:fld>
             <a:endParaRPr lang="hr-HR"/>
           </a:p>
@@ -3152,9 +4083,7 @@
         <p:spPr/>
         <p:txBody>
           <a:bodyPr/>
-          <a:lstStyle>
-            <a:extLst/>
-          </a:lstStyle>
+          <a:lstStyle/>
           <a:p>
             <a:endParaRPr lang="hr-HR"/>
           </a:p>
@@ -3173,9 +4102,7 @@
         <p:spPr/>
         <p:txBody>
           <a:bodyPr/>
-          <a:lstStyle>
-            <a:extLst/>
-          </a:lstStyle>
+          <a:lstStyle/>
           <a:p>
             <a:fld id="{CEC22FF6-AD52-4816-A8EF-A3037EBC3E0C}" type="slidenum">
               <a:rPr lang="hr-HR" smtClean="0"/>
@@ -3233,9 +4160,7 @@
           <a:bodyPr lIns="91440" tIns="274320" rtlCol="0" anchor="t">
             <a:normAutofit/>
           </a:bodyPr>
-          <a:lstStyle>
-            <a:extLst/>
-          </a:lstStyle>
+          <a:lstStyle/>
           <a:p>
             <a:pPr marL="0" indent="-283464" algn="l" rtl="0" eaLnBrk="1" latinLnBrk="0" hangingPunct="1">
               <a:lnSpc>
@@ -3303,7 +4228,7 @@
           <a:p>
             <a:pPr marL="0" algn="l" eaLnBrk="1" latinLnBrk="0" hangingPunct="1"/>
             <a:r>
-              <a:rPr kumimoji="0" lang="en-US" smtClean="0"/>
+              <a:rPr kumimoji="0" lang="en-US"/>
               <a:t>Click icon to add picture</a:t>
             </a:r>
             <a:endParaRPr kumimoji="0" lang="en-US" dirty="0"/>
@@ -3363,9 +4288,7 @@
         </p:style>
         <p:txBody>
           <a:bodyPr anchor="ctr"/>
-          <a:lstStyle>
-            <a:extLst/>
-          </a:lstStyle>
+          <a:lstStyle/>
           <a:p>
             <a:pPr algn="ctr" eaLnBrk="1" latinLnBrk="0" hangingPunct="1"/>
             <a:endParaRPr kumimoji="0" lang="en-US"/>
@@ -3423,9 +4346,7 @@
         </p:style>
         <p:txBody>
           <a:bodyPr anchor="ctr"/>
-          <a:lstStyle>
-            <a:extLst/>
-          </a:lstStyle>
+          <a:lstStyle/>
           <a:p>
             <a:pPr algn="ctr" eaLnBrk="1" latinLnBrk="0" hangingPunct="1"/>
             <a:endParaRPr kumimoji="0" lang="en-US" dirty="0"/>
@@ -3482,7 +4403,7 @@
           <a:p>
             <a:pPr lvl="0" eaLnBrk="1" latinLnBrk="0" hangingPunct="1"/>
             <a:r>
-              <a:rPr kumimoji="0" lang="en-US" smtClean="0"/>
+              <a:rPr kumimoji="0" lang="en-US"/>
               <a:t>Click to edit Master text styles</a:t>
             </a:r>
           </a:p>
@@ -3570,9 +4491,7 @@
         </p:style>
         <p:txBody>
           <a:bodyPr anchor="ctr"/>
-          <a:lstStyle>
-            <a:extLst/>
-          </a:lstStyle>
+          <a:lstStyle/>
           <a:p>
             <a:pPr algn="ctr" eaLnBrk="1" latinLnBrk="0" hangingPunct="1"/>
             <a:endParaRPr kumimoji="0" lang="en-US"/>
@@ -3630,9 +4549,7 @@
         </p:style>
         <p:txBody>
           <a:bodyPr anchor="ctr"/>
-          <a:lstStyle>
-            <a:extLst/>
-          </a:lstStyle>
+          <a:lstStyle/>
           <a:p>
             <a:pPr algn="ctr" eaLnBrk="1" latinLnBrk="0" hangingPunct="1"/>
             <a:endParaRPr kumimoji="0" lang="en-US"/>
@@ -3722,9 +4639,7 @@
         </p:style>
         <p:txBody>
           <a:bodyPr anchor="ctr"/>
-          <a:lstStyle>
-            <a:extLst/>
-          </a:lstStyle>
+          <a:lstStyle/>
           <a:p>
             <a:pPr algn="ctr" eaLnBrk="1" latinLnBrk="0" hangingPunct="1"/>
             <a:endParaRPr kumimoji="0" lang="en-US"/>
@@ -3770,9 +4685,7 @@
         </p:style>
         <p:txBody>
           <a:bodyPr anchor="ctr"/>
-          <a:lstStyle>
-            <a:extLst/>
-          </a:lstStyle>
+          <a:lstStyle/>
           <a:p>
             <a:pPr algn="ctr" eaLnBrk="1" latinLnBrk="0" hangingPunct="1"/>
             <a:endParaRPr kumimoji="0" lang="en-US"/>
@@ -3802,15 +4715,12 @@
           <a:bodyPr anchor="ctr">
             <a:normAutofit/>
           </a:bodyPr>
-          <a:lstStyle>
-            <a:extLst/>
-          </a:lstStyle>
-          <a:p>
-            <a:r>
-              <a:rPr kumimoji="0" lang="en-US" smtClean="0"/>
+          <a:lstStyle/>
+          <a:p>
+            <a:r>
+              <a:rPr kumimoji="0" lang="en-US"/>
               <a:t>Click to edit Master title style</a:t>
             </a:r>
-            <a:endParaRPr kumimoji="0" lang="en-US"/>
           </a:p>
         </p:txBody>
       </p:sp>
@@ -3837,44 +4747,41 @@
           <a:bodyPr>
             <a:normAutofit/>
           </a:bodyPr>
-          <a:lstStyle>
-            <a:extLst/>
-          </a:lstStyle>
+          <a:lstStyle/>
           <a:p>
             <a:pPr lvl="0" eaLnBrk="1" latinLnBrk="0" hangingPunct="1"/>
             <a:r>
-              <a:rPr kumimoji="0" lang="en-US" smtClean="0"/>
+              <a:rPr kumimoji="0" lang="en-US"/>
               <a:t>Click to edit Master text styles</a:t>
             </a:r>
           </a:p>
           <a:p>
             <a:pPr lvl="1" eaLnBrk="1" latinLnBrk="0" hangingPunct="1"/>
             <a:r>
-              <a:rPr kumimoji="0" lang="en-US" smtClean="0"/>
+              <a:rPr kumimoji="0" lang="en-US"/>
               <a:t>Second level</a:t>
             </a:r>
           </a:p>
           <a:p>
             <a:pPr lvl="2" eaLnBrk="1" latinLnBrk="0" hangingPunct="1"/>
             <a:r>
-              <a:rPr kumimoji="0" lang="en-US" smtClean="0"/>
+              <a:rPr kumimoji="0" lang="en-US"/>
               <a:t>Third level</a:t>
             </a:r>
           </a:p>
           <a:p>
             <a:pPr lvl="3" eaLnBrk="1" latinLnBrk="0" hangingPunct="1"/>
             <a:r>
-              <a:rPr kumimoji="0" lang="en-US" smtClean="0"/>
+              <a:rPr kumimoji="0" lang="en-US"/>
               <a:t>Fourth level</a:t>
             </a:r>
           </a:p>
           <a:p>
             <a:pPr lvl="4" eaLnBrk="1" latinLnBrk="0" hangingPunct="1"/>
             <a:r>
-              <a:rPr kumimoji="0" lang="en-US" smtClean="0"/>
+              <a:rPr kumimoji="0" lang="en-US"/>
               <a:t>Fifth level</a:t>
             </a:r>
-            <a:endParaRPr kumimoji="0" lang="en-US"/>
           </a:p>
         </p:txBody>
       </p:sp>
@@ -3916,7 +4823,7 @@
             <a:fld id="{782AB740-377D-4BC2-A984-084B0CA75466}" type="datetimeFigureOut">
               <a:rPr lang="hr-HR" smtClean="0"/>
               <a:pPr/>
-              <a:t>7.9.2019.</a:t>
+              <a:t>8.9.2021.</a:t>
             </a:fld>
             <a:endParaRPr lang="hr-HR"/>
           </a:p>
@@ -4054,9 +4961,7 @@
         </p:style>
         <p:txBody>
           <a:bodyPr anchor="ctr"/>
-          <a:lstStyle>
-            <a:extLst/>
-          </a:lstStyle>
+          <a:lstStyle/>
           <a:p>
             <a:pPr algn="ctr" eaLnBrk="1" latinLnBrk="0" hangingPunct="1"/>
             <a:endParaRPr kumimoji="0" lang="en-US"/>
@@ -4429,7 +5334,7 @@
           <a:lstStyle/>
           <a:p>
             <a:r>
-              <a:rPr lang="en-US" dirty="0" smtClean="0"/>
+              <a:rPr lang="en-US" dirty="0"/>
               <a:t>[[title]]</a:t>
             </a:r>
             <a:endParaRPr lang="hr-HR" dirty="0"/>
@@ -4452,7 +5357,7 @@
           <a:lstStyle/>
           <a:p>
             <a:r>
-              <a:rPr lang="en-US" dirty="0" smtClean="0"/>
+              <a:rPr lang="en-US" dirty="0"/>
               <a:t>[[subtitle]]</a:t>
             </a:r>
             <a:endParaRPr lang="hr-HR" dirty="0"/>
@@ -4500,7 +5405,7 @@
           <a:lstStyle/>
           <a:p>
             <a:r>
-              <a:rPr lang="en-US" dirty="0" smtClean="0"/>
+              <a:rPr lang="en-US" dirty="0"/>
               <a:t>Language usage</a:t>
             </a:r>
             <a:endParaRPr lang="hr-HR" dirty="0"/>
@@ -4568,7 +5473,7 @@
           <a:lstStyle/>
           <a:p>
             <a:r>
-              <a:rPr lang="en-US" dirty="0" smtClean="0"/>
+              <a:rPr lang="en-US" dirty="0"/>
               <a:t>Language distribution</a:t>
             </a:r>
             <a:endParaRPr lang="hr-HR" dirty="0"/>
@@ -4583,6 +5488,11 @@
           </p:cNvGraphicFramePr>
           <p:nvPr>
             <p:ph idx="1"/>
+            <p:extLst>
+              <p:ext uri="{D42A27DB-BD31-4B8C-83A1-F6EECF244321}">
+                <p14:modId xmlns:p14="http://schemas.microsoft.com/office/powerpoint/2010/main" val="1130479351"/>
+              </p:ext>
+            </p:extLst>
           </p:nvPr>
         </p:nvGraphicFramePr>
         <p:xfrm>
@@ -4596,6 +5506,96 @@
         </a:graphic>
       </p:graphicFrame>
     </p:spTree>
+  </p:cSld>
+  <p:clrMapOvr>
+    <a:masterClrMapping/>
+  </p:clrMapOvr>
+</p:sld>
+</file>
+
+<file path=ppt/slides/slide4.xml><?xml version="1.0" encoding="utf-8"?>
+<p:sld xmlns:a="http://schemas.openxmlformats.org/drawingml/2006/main" xmlns:r="http://schemas.openxmlformats.org/officeDocument/2006/relationships" xmlns:p="http://schemas.openxmlformats.org/presentationml/2006/main">
+  <p:cSld>
+    <p:spTree>
+      <p:nvGrpSpPr>
+        <p:cNvPr id="1" name=""/>
+        <p:cNvGrpSpPr/>
+        <p:nvPr/>
+      </p:nvGrpSpPr>
+      <p:grpSpPr>
+        <a:xfrm>
+          <a:off x="0" y="0"/>
+          <a:ext cx="0" cy="0"/>
+          <a:chOff x="0" y="0"/>
+          <a:chExt cx="0" cy="0"/>
+        </a:xfrm>
+      </p:grpSpPr>
+      <p:sp>
+        <p:nvSpPr>
+          <p:cNvPr id="2" name="Title 1">
+            <a:extLst>
+              <a:ext uri="{FF2B5EF4-FFF2-40B4-BE49-F238E27FC236}">
+                <a16:creationId xmlns:a16="http://schemas.microsoft.com/office/drawing/2014/main" id="{A501BD22-9992-47ED-9FA3-C8BC3ABEB115}"/>
+              </a:ext>
+            </a:extLst>
+          </p:cNvPr>
+          <p:cNvSpPr>
+            <a:spLocks noGrp="1"/>
+          </p:cNvSpPr>
+          <p:nvPr>
+            <p:ph type="title"/>
+          </p:nvPr>
+        </p:nvSpPr>
+        <p:spPr/>
+        <p:txBody>
+          <a:bodyPr/>
+          <a:lstStyle/>
+          <a:p>
+            <a:r>
+              <a:rPr lang="en-US" dirty="0"/>
+              <a:t>Language distribution #2</a:t>
+            </a:r>
+            <a:endParaRPr lang="hr-HR" dirty="0"/>
+          </a:p>
+        </p:txBody>
+      </p:sp>
+      <p:graphicFrame>
+        <p:nvGraphicFramePr>
+          <p:cNvPr id="6" name="Content Placeholder 5">
+            <a:extLst>
+              <a:ext uri="{FF2B5EF4-FFF2-40B4-BE49-F238E27FC236}">
+                <a16:creationId xmlns:a16="http://schemas.microsoft.com/office/drawing/2014/main" id="{4F3A3450-DFC7-434A-B4AD-74AD548CFA64}"/>
+              </a:ext>
+            </a:extLst>
+          </p:cNvPr>
+          <p:cNvGraphicFramePr>
+            <a:graphicFrameLocks noGrp="1"/>
+          </p:cNvGraphicFramePr>
+          <p:nvPr>
+            <p:ph idx="1"/>
+            <p:extLst>
+              <p:ext uri="{D42A27DB-BD31-4B8C-83A1-F6EECF244321}">
+                <p14:modId xmlns:p14="http://schemas.microsoft.com/office/powerpoint/2010/main" val="1834510146"/>
+              </p:ext>
+            </p:extLst>
+          </p:nvPr>
+        </p:nvGraphicFramePr>
+        <p:xfrm>
+          <a:off x="1435100" y="1447800"/>
+          <a:ext cx="7499350" cy="4800600"/>
+        </p:xfrm>
+        <a:graphic>
+          <a:graphicData uri="http://schemas.openxmlformats.org/drawingml/2006/chart">
+            <c:chart xmlns:c="http://schemas.openxmlformats.org/drawingml/2006/chart" xmlns:r="http://schemas.openxmlformats.org/officeDocument/2006/relationships" r:id="rId2"/>
+          </a:graphicData>
+        </a:graphic>
+      </p:graphicFrame>
+    </p:spTree>
+    <p:extLst>
+      <p:ext uri="{BB962C8B-B14F-4D97-AF65-F5344CB8AC3E}">
+        <p14:creationId xmlns:p14="http://schemas.microsoft.com/office/powerpoint/2010/main" val="307105893"/>
+      </p:ext>
+    </p:extLst>
   </p:cSld>
   <p:clrMapOvr>
     <a:masterClrMapping/>

--- a/Intermediate/SharedCharts/template/charts.pptx
+++ b/Intermediate/SharedCharts/template/charts.pptx
@@ -9,6 +9,7 @@
     <p:sldId id="257" r:id="rId3"/>
     <p:sldId id="258" r:id="rId4"/>
     <p:sldId id="259" r:id="rId5"/>
+    <p:sldId id="260" r:id="rId6"/>
   </p:sldIdLst>
   <p:sldSz cx="9144000" cy="6858000" type="screen4x3"/>
   <p:notesSz cx="6858000" cy="9144000"/>
@@ -1521,7 +1522,7 @@
             <a:fld id="{782AB740-377D-4BC2-A984-084B0CA75466}" type="datetimeFigureOut">
               <a:rPr lang="hr-HR" smtClean="0"/>
               <a:pPr/>
-              <a:t>8.9.2021.</a:t>
+              <a:t>22.9.2024.</a:t>
             </a:fld>
             <a:endParaRPr lang="hr-HR"/>
           </a:p>
@@ -1821,7 +1822,7 @@
             <a:fld id="{782AB740-377D-4BC2-A984-084B0CA75466}" type="datetimeFigureOut">
               <a:rPr lang="hr-HR" smtClean="0"/>
               <a:pPr/>
-              <a:t>8.9.2021.</a:t>
+              <a:t>22.9.2024.</a:t>
             </a:fld>
             <a:endParaRPr lang="hr-HR"/>
           </a:p>
@@ -1997,7 +1998,7 @@
             <a:fld id="{782AB740-377D-4BC2-A984-084B0CA75466}" type="datetimeFigureOut">
               <a:rPr lang="hr-HR" smtClean="0"/>
               <a:pPr/>
-              <a:t>8.9.2021.</a:t>
+              <a:t>22.9.2024.</a:t>
             </a:fld>
             <a:endParaRPr lang="hr-HR"/>
           </a:p>
@@ -2163,7 +2164,7 @@
             <a:fld id="{782AB740-377D-4BC2-A984-084B0CA75466}" type="datetimeFigureOut">
               <a:rPr lang="hr-HR" smtClean="0"/>
               <a:pPr/>
-              <a:t>8.9.2021.</a:t>
+              <a:t>22.9.2024.</a:t>
             </a:fld>
             <a:endParaRPr lang="hr-HR"/>
           </a:p>
@@ -2424,7 +2425,7 @@
             <a:fld id="{782AB740-377D-4BC2-A984-084B0CA75466}" type="datetimeFigureOut">
               <a:rPr lang="hr-HR" smtClean="0"/>
               <a:pPr/>
-              <a:t>8.9.2021.</a:t>
+              <a:t>22.9.2024.</a:t>
             </a:fld>
             <a:endParaRPr lang="hr-HR"/>
           </a:p>
@@ -2879,7 +2880,7 @@
             <a:fld id="{782AB740-377D-4BC2-A984-084B0CA75466}" type="datetimeFigureOut">
               <a:rPr lang="hr-HR" smtClean="0"/>
               <a:pPr/>
-              <a:t>8.9.2021.</a:t>
+              <a:t>22.9.2024.</a:t>
             </a:fld>
             <a:endParaRPr lang="hr-HR"/>
           </a:p>
@@ -3363,7 +3364,7 @@
             <a:fld id="{782AB740-377D-4BC2-A984-084B0CA75466}" type="datetimeFigureOut">
               <a:rPr lang="hr-HR" smtClean="0"/>
               <a:pPr/>
-              <a:t>8.9.2021.</a:t>
+              <a:t>22.9.2024.</a:t>
             </a:fld>
             <a:endParaRPr lang="hr-HR"/>
           </a:p>
@@ -3482,7 +3483,7 @@
             <a:fld id="{782AB740-377D-4BC2-A984-084B0CA75466}" type="datetimeFigureOut">
               <a:rPr lang="hr-HR" smtClean="0"/>
               <a:pPr/>
-              <a:t>8.9.2021.</a:t>
+              <a:t>22.9.2024.</a:t>
             </a:fld>
             <a:endParaRPr lang="hr-HR"/>
           </a:p>
@@ -3620,7 +3621,7 @@
             <a:fld id="{782AB740-377D-4BC2-A984-084B0CA75466}" type="datetimeFigureOut">
               <a:rPr lang="hr-HR" smtClean="0"/>
               <a:pPr/>
-              <a:t>8.9.2021.</a:t>
+              <a:t>22.9.2024.</a:t>
             </a:fld>
             <a:endParaRPr lang="hr-HR"/>
           </a:p>
@@ -3935,7 +3936,7 @@
             <a:fld id="{782AB740-377D-4BC2-A984-084B0CA75466}" type="datetimeFigureOut">
               <a:rPr lang="hr-HR" smtClean="0"/>
               <a:pPr/>
-              <a:t>8.9.2021.</a:t>
+              <a:t>22.9.2024.</a:t>
             </a:fld>
             <a:endParaRPr lang="hr-HR"/>
           </a:p>
@@ -4064,7 +4065,7 @@
             <a:fld id="{782AB740-377D-4BC2-A984-084B0CA75466}" type="datetimeFigureOut">
               <a:rPr lang="hr-HR" smtClean="0"/>
               <a:pPr/>
-              <a:t>8.9.2021.</a:t>
+              <a:t>22.9.2024.</a:t>
             </a:fld>
             <a:endParaRPr lang="hr-HR"/>
           </a:p>
@@ -4823,7 +4824,7 @@
             <a:fld id="{782AB740-377D-4BC2-A984-084B0CA75466}" type="datetimeFigureOut">
               <a:rPr lang="hr-HR" smtClean="0"/>
               <a:pPr/>
-              <a:t>8.9.2021.</a:t>
+              <a:t>22.9.2024.</a:t>
             </a:fld>
             <a:endParaRPr lang="hr-HR"/>
           </a:p>
@@ -5603,6 +5604,329 @@
 </p:sld>
 </file>
 
+<file path=ppt/slides/slide5.xml><?xml version="1.0" encoding="utf-8"?>
+<p:sld xmlns:a="http://schemas.openxmlformats.org/drawingml/2006/main" xmlns:r="http://schemas.openxmlformats.org/officeDocument/2006/relationships" xmlns:p="http://schemas.openxmlformats.org/presentationml/2006/main">
+  <p:cSld>
+    <p:spTree>
+      <p:nvGrpSpPr>
+        <p:cNvPr id="1" name=""/>
+        <p:cNvGrpSpPr/>
+        <p:nvPr/>
+      </p:nvGrpSpPr>
+      <p:grpSpPr>
+        <a:xfrm>
+          <a:off x="0" y="0"/>
+          <a:ext cx="0" cy="0"/>
+          <a:chOff x="0" y="0"/>
+          <a:chExt cx="0" cy="0"/>
+        </a:xfrm>
+      </p:grpSpPr>
+      <p:sp>
+        <p:nvSpPr>
+          <p:cNvPr id="2" name="Title 1">
+            <a:extLst>
+              <a:ext uri="{FF2B5EF4-FFF2-40B4-BE49-F238E27FC236}">
+                <a16:creationId xmlns:a16="http://schemas.microsoft.com/office/drawing/2014/main" id="{CAA87217-63D1-4C4F-B1E8-77CBCEBC2C3E}"/>
+              </a:ext>
+            </a:extLst>
+          </p:cNvPr>
+          <p:cNvSpPr>
+            <a:spLocks noGrp="1"/>
+          </p:cNvSpPr>
+          <p:nvPr>
+            <p:ph type="title"/>
+          </p:nvPr>
+        </p:nvSpPr>
+        <p:spPr/>
+        <p:txBody>
+          <a:bodyPr>
+            <a:normAutofit/>
+          </a:bodyPr>
+          <a:lstStyle/>
+          <a:p>
+            <a:r>
+              <a:rPr lang="en-US" dirty="0"/>
+              <a:t>Table across slides </a:t>
+            </a:r>
+            <a:r>
+              <a:rPr lang="en-US" sz="1100" dirty="0"/>
+              <a:t>[[</a:t>
+            </a:r>
+            <a:r>
+              <a:rPr lang="en-US" sz="1100" dirty="0" err="1"/>
+              <a:t>table:split</a:t>
+            </a:r>
+            <a:r>
+              <a:rPr lang="en-US" sz="1100" dirty="0"/>
+              <a:t>(10</a:t>
+            </a:r>
+            <a:r>
+              <a:rPr lang="en-US" sz="1100"/>
+              <a:t>).index]:</a:t>
+            </a:r>
+            <a:r>
+              <a:rPr lang="en-US" sz="1100" dirty="0" err="1"/>
+              <a:t>slide:hide</a:t>
+            </a:r>
+            <a:r>
+              <a:rPr lang="en-US" sz="1100" dirty="0"/>
+              <a:t>]</a:t>
+            </a:r>
+            <a:endParaRPr lang="hr-HR" sz="1100" dirty="0"/>
+          </a:p>
+        </p:txBody>
+      </p:sp>
+      <p:graphicFrame>
+        <p:nvGraphicFramePr>
+          <p:cNvPr id="6" name="Table 6">
+            <a:extLst>
+              <a:ext uri="{FF2B5EF4-FFF2-40B4-BE49-F238E27FC236}">
+                <a16:creationId xmlns:a16="http://schemas.microsoft.com/office/drawing/2014/main" id="{0AB68139-9E32-4ECD-BF6E-61B5936F6459}"/>
+              </a:ext>
+            </a:extLst>
+          </p:cNvPr>
+          <p:cNvGraphicFramePr>
+            <a:graphicFrameLocks noGrp="1"/>
+          </p:cNvGraphicFramePr>
+          <p:nvPr>
+            <p:ph idx="1"/>
+            <p:extLst>
+              <p:ext uri="{D42A27DB-BD31-4B8C-83A1-F6EECF244321}">
+                <p14:modId xmlns:p14="http://schemas.microsoft.com/office/powerpoint/2010/main" val="3547349588"/>
+              </p:ext>
+            </p:extLst>
+          </p:nvPr>
+        </p:nvGraphicFramePr>
+        <p:xfrm>
+          <a:off x="1435100" y="1447800"/>
+          <a:ext cx="7499349" cy="741680"/>
+        </p:xfrm>
+        <a:graphic>
+          <a:graphicData uri="http://schemas.openxmlformats.org/drawingml/2006/table">
+            <a:tbl>
+              <a:tblPr firstRow="1" bandRow="1">
+                <a:tableStyleId>{5C22544A-7EE6-4342-B048-85BDC9FD1C3A}</a:tableStyleId>
+              </a:tblPr>
+              <a:tblGrid>
+                <a:gridCol w="2499783">
+                  <a:extLst>
+                    <a:ext uri="{9D8B030D-6E8A-4147-A177-3AD203B41FA5}">
+                      <a16:colId xmlns:a16="http://schemas.microsoft.com/office/drawing/2014/main" val="2679471042"/>
+                    </a:ext>
+                  </a:extLst>
+                </a:gridCol>
+                <a:gridCol w="2499783">
+                  <a:extLst>
+                    <a:ext uri="{9D8B030D-6E8A-4147-A177-3AD203B41FA5}">
+                      <a16:colId xmlns:a16="http://schemas.microsoft.com/office/drawing/2014/main" val="2360038478"/>
+                    </a:ext>
+                  </a:extLst>
+                </a:gridCol>
+                <a:gridCol w="2499783">
+                  <a:extLst>
+                    <a:ext uri="{9D8B030D-6E8A-4147-A177-3AD203B41FA5}">
+                      <a16:colId xmlns:a16="http://schemas.microsoft.com/office/drawing/2014/main" val="3282142002"/>
+                    </a:ext>
+                  </a:extLst>
+                </a:gridCol>
+              </a:tblGrid>
+              <a:tr h="370840">
+                <a:tc>
+                  <a:txBody>
+                    <a:bodyPr/>
+                    <a:lstStyle/>
+                    <a:p>
+                      <a:r>
+                        <a:rPr lang="en-US" dirty="0"/>
+                        <a:t>Col A</a:t>
+                      </a:r>
+                      <a:endParaRPr lang="hr-HR" dirty="0"/>
+                    </a:p>
+                  </a:txBody>
+                  <a:tcPr/>
+                </a:tc>
+                <a:tc>
+                  <a:txBody>
+                    <a:bodyPr/>
+                    <a:lstStyle/>
+                    <a:p>
+                      <a:r>
+                        <a:rPr lang="en-US" dirty="0"/>
+                        <a:t>Column B</a:t>
+                      </a:r>
+                      <a:endParaRPr lang="hr-HR" dirty="0"/>
+                    </a:p>
+                  </a:txBody>
+                  <a:tcPr/>
+                </a:tc>
+                <a:tc>
+                  <a:txBody>
+                    <a:bodyPr/>
+                    <a:lstStyle/>
+                    <a:p>
+                      <a:r>
+                        <a:rPr lang="en-US" dirty="0"/>
+                        <a:t>Last column</a:t>
+                      </a:r>
+                      <a:endParaRPr lang="hr-HR" dirty="0"/>
+                    </a:p>
+                  </a:txBody>
+                  <a:tcPr/>
+                </a:tc>
+                <a:extLst>
+                  <a:ext uri="{0D108BD9-81ED-4DB2-BD59-A6C34878D82A}">
+                    <a16:rowId xmlns:a16="http://schemas.microsoft.com/office/drawing/2014/main" val="781833061"/>
+                  </a:ext>
+                </a:extLst>
+              </a:tr>
+              <a:tr h="370840">
+                <a:tc>
+                  <a:txBody>
+                    <a:bodyPr/>
+                    <a:lstStyle/>
+                    <a:p>
+                      <a:r>
+                        <a:rPr lang="en-US" dirty="0"/>
+                        <a:t>[[</a:t>
+                      </a:r>
+                      <a:r>
+                        <a:rPr lang="en-US" dirty="0" err="1"/>
+                        <a:t>table:split</a:t>
+                      </a:r>
+                      <a:r>
+                        <a:rPr lang="en-US" dirty="0"/>
+                        <a:t>(10).</a:t>
+                      </a:r>
+                      <a:r>
+                        <a:rPr lang="en-US" dirty="0" err="1"/>
+                        <a:t>value.A</a:t>
+                      </a:r>
+                      <a:r>
+                        <a:rPr lang="en-US" dirty="0"/>
+                        <a:t>]]</a:t>
+                      </a:r>
+                      <a:endParaRPr lang="hr-HR" dirty="0"/>
+                    </a:p>
+                  </a:txBody>
+                  <a:tcPr/>
+                </a:tc>
+                <a:tc>
+                  <a:txBody>
+                    <a:bodyPr/>
+                    <a:lstStyle/>
+                    <a:p>
+                      <a:pPr marL="0" marR="0" lvl="0" indent="0" algn="l" defTabSz="914400" rtl="0" eaLnBrk="1" fontAlgn="auto" latinLnBrk="0" hangingPunct="1">
+                        <a:lnSpc>
+                          <a:spcPct val="100000"/>
+                        </a:lnSpc>
+                        <a:spcBef>
+                          <a:spcPts val="0"/>
+                        </a:spcBef>
+                        <a:spcAft>
+                          <a:spcPts val="0"/>
+                        </a:spcAft>
+                        <a:buClrTx/>
+                        <a:buSzTx/>
+                        <a:buFontTx/>
+                        <a:buNone/>
+                        <a:tabLst/>
+                        <a:defRPr/>
+                      </a:pPr>
+                      <a:r>
+                        <a:rPr lang="en-US" dirty="0"/>
+                        <a:t>[[</a:t>
+                      </a:r>
+                      <a:r>
+                        <a:rPr lang="en-US" dirty="0" err="1"/>
+                        <a:t>table:split</a:t>
+                      </a:r>
+                      <a:r>
+                        <a:rPr lang="en-US" dirty="0"/>
+                        <a:t>(10).</a:t>
+                      </a:r>
+                      <a:r>
+                        <a:rPr lang="en-US" dirty="0" err="1"/>
+                        <a:t>value.B</a:t>
+                      </a:r>
+                      <a:r>
+                        <a:rPr lang="en-US" dirty="0"/>
+                        <a:t>]]</a:t>
+                      </a:r>
+                      <a:endParaRPr lang="hr-HR" dirty="0"/>
+                    </a:p>
+                  </a:txBody>
+                  <a:tcPr/>
+                </a:tc>
+                <a:tc>
+                  <a:txBody>
+                    <a:bodyPr/>
+                    <a:lstStyle/>
+                    <a:p>
+                      <a:pPr marL="0" marR="0" lvl="0" indent="0" algn="l" defTabSz="914400" rtl="0" eaLnBrk="1" fontAlgn="auto" latinLnBrk="0" hangingPunct="1">
+                        <a:lnSpc>
+                          <a:spcPct val="100000"/>
+                        </a:lnSpc>
+                        <a:spcBef>
+                          <a:spcPts val="0"/>
+                        </a:spcBef>
+                        <a:spcAft>
+                          <a:spcPts val="0"/>
+                        </a:spcAft>
+                        <a:buClrTx/>
+                        <a:buSzTx/>
+                        <a:buFontTx/>
+                        <a:buNone/>
+                        <a:tabLst/>
+                        <a:defRPr/>
+                      </a:pPr>
+                      <a:r>
+                        <a:rPr lang="en-US" dirty="0"/>
+                        <a:t>[[</a:t>
+                      </a:r>
+                      <a:r>
+                        <a:rPr lang="en-US" dirty="0" err="1"/>
+                        <a:t>table:split</a:t>
+                      </a:r>
+                      <a:r>
+                        <a:rPr lang="en-US" dirty="0"/>
+                        <a:t>(10).</a:t>
+                      </a:r>
+                      <a:r>
+                        <a:rPr lang="en-US" dirty="0" err="1"/>
+                        <a:t>value.C</a:t>
+                      </a:r>
+                      <a:r>
+                        <a:rPr lang="en-US" dirty="0"/>
+                        <a:t>]]</a:t>
+                      </a:r>
+                      <a:endParaRPr lang="hr-HR" dirty="0"/>
+                    </a:p>
+                  </a:txBody>
+                  <a:tcPr/>
+                </a:tc>
+                <a:extLst>
+                  <a:ext uri="{0D108BD9-81ED-4DB2-BD59-A6C34878D82A}">
+                    <a16:rowId xmlns:a16="http://schemas.microsoft.com/office/drawing/2014/main" val="2747685484"/>
+                  </a:ext>
+                </a:extLst>
+              </a:tr>
+            </a:tbl>
+          </a:graphicData>
+        </a:graphic>
+      </p:graphicFrame>
+    </p:spTree>
+    <p:extLst>
+      <p:ext uri="{BB962C8B-B14F-4D97-AF65-F5344CB8AC3E}">
+        <p14:creationId xmlns:p14="http://schemas.microsoft.com/office/powerpoint/2010/main" val="3204950218"/>
+      </p:ext>
+    </p:extLst>
+  </p:cSld>
+  <p:clrMapOvr>
+    <a:masterClrMapping/>
+  </p:clrMapOvr>
+</p:sld>
+</file>
+
 <file path=ppt/theme/theme1.xml><?xml version="1.0" encoding="utf-8"?>
 <a:theme xmlns:a="http://schemas.openxmlformats.org/drawingml/2006/main" name="Solstice">
   <a:themeElements>

--- a/Intermediate/SharedCharts/template/charts.pptx
+++ b/Intermediate/SharedCharts/template/charts.pptx
@@ -1522,7 +1522,7 @@
             <a:fld id="{782AB740-377D-4BC2-A984-084B0CA75466}" type="datetimeFigureOut">
               <a:rPr lang="hr-HR" smtClean="0"/>
               <a:pPr/>
-              <a:t>22.9.2024.</a:t>
+              <a:t>29.9.2024.</a:t>
             </a:fld>
             <a:endParaRPr lang="hr-HR"/>
           </a:p>
@@ -1822,7 +1822,7 @@
             <a:fld id="{782AB740-377D-4BC2-A984-084B0CA75466}" type="datetimeFigureOut">
               <a:rPr lang="hr-HR" smtClean="0"/>
               <a:pPr/>
-              <a:t>22.9.2024.</a:t>
+              <a:t>29.9.2024.</a:t>
             </a:fld>
             <a:endParaRPr lang="hr-HR"/>
           </a:p>
@@ -1998,7 +1998,7 @@
             <a:fld id="{782AB740-377D-4BC2-A984-084B0CA75466}" type="datetimeFigureOut">
               <a:rPr lang="hr-HR" smtClean="0"/>
               <a:pPr/>
-              <a:t>22.9.2024.</a:t>
+              <a:t>29.9.2024.</a:t>
             </a:fld>
             <a:endParaRPr lang="hr-HR"/>
           </a:p>
@@ -2164,7 +2164,7 @@
             <a:fld id="{782AB740-377D-4BC2-A984-084B0CA75466}" type="datetimeFigureOut">
               <a:rPr lang="hr-HR" smtClean="0"/>
               <a:pPr/>
-              <a:t>22.9.2024.</a:t>
+              <a:t>29.9.2024.</a:t>
             </a:fld>
             <a:endParaRPr lang="hr-HR"/>
           </a:p>
@@ -2425,7 +2425,7 @@
             <a:fld id="{782AB740-377D-4BC2-A984-084B0CA75466}" type="datetimeFigureOut">
               <a:rPr lang="hr-HR" smtClean="0"/>
               <a:pPr/>
-              <a:t>22.9.2024.</a:t>
+              <a:t>29.9.2024.</a:t>
             </a:fld>
             <a:endParaRPr lang="hr-HR"/>
           </a:p>
@@ -2880,7 +2880,7 @@
             <a:fld id="{782AB740-377D-4BC2-A984-084B0CA75466}" type="datetimeFigureOut">
               <a:rPr lang="hr-HR" smtClean="0"/>
               <a:pPr/>
-              <a:t>22.9.2024.</a:t>
+              <a:t>29.9.2024.</a:t>
             </a:fld>
             <a:endParaRPr lang="hr-HR"/>
           </a:p>
@@ -3364,7 +3364,7 @@
             <a:fld id="{782AB740-377D-4BC2-A984-084B0CA75466}" type="datetimeFigureOut">
               <a:rPr lang="hr-HR" smtClean="0"/>
               <a:pPr/>
-              <a:t>22.9.2024.</a:t>
+              <a:t>29.9.2024.</a:t>
             </a:fld>
             <a:endParaRPr lang="hr-HR"/>
           </a:p>
@@ -3483,7 +3483,7 @@
             <a:fld id="{782AB740-377D-4BC2-A984-084B0CA75466}" type="datetimeFigureOut">
               <a:rPr lang="hr-HR" smtClean="0"/>
               <a:pPr/>
-              <a:t>22.9.2024.</a:t>
+              <a:t>29.9.2024.</a:t>
             </a:fld>
             <a:endParaRPr lang="hr-HR"/>
           </a:p>
@@ -3621,7 +3621,7 @@
             <a:fld id="{782AB740-377D-4BC2-A984-084B0CA75466}" type="datetimeFigureOut">
               <a:rPr lang="hr-HR" smtClean="0"/>
               <a:pPr/>
-              <a:t>22.9.2024.</a:t>
+              <a:t>29.9.2024.</a:t>
             </a:fld>
             <a:endParaRPr lang="hr-HR"/>
           </a:p>
@@ -3936,7 +3936,7 @@
             <a:fld id="{782AB740-377D-4BC2-A984-084B0CA75466}" type="datetimeFigureOut">
               <a:rPr lang="hr-HR" smtClean="0"/>
               <a:pPr/>
-              <a:t>22.9.2024.</a:t>
+              <a:t>29.9.2024.</a:t>
             </a:fld>
             <a:endParaRPr lang="hr-HR"/>
           </a:p>
@@ -4065,7 +4065,7 @@
             <a:fld id="{782AB740-377D-4BC2-A984-084B0CA75466}" type="datetimeFigureOut">
               <a:rPr lang="hr-HR" smtClean="0"/>
               <a:pPr/>
-              <a:t>22.9.2024.</a:t>
+              <a:t>29.9.2024.</a:t>
             </a:fld>
             <a:endParaRPr lang="hr-HR"/>
           </a:p>
@@ -4824,7 +4824,7 @@
             <a:fld id="{782AB740-377D-4BC2-A984-084B0CA75466}" type="datetimeFigureOut">
               <a:rPr lang="hr-HR" smtClean="0"/>
               <a:pPr/>
-              <a:t>22.9.2024.</a:t>
+              <a:t>29.9.2024.</a:t>
             </a:fld>
             <a:endParaRPr lang="hr-HR"/>
           </a:p>
@@ -5658,19 +5658,7 @@
             </a:r>
             <a:r>
               <a:rPr lang="en-US" sz="1100" dirty="0"/>
-              <a:t>(10</a:t>
-            </a:r>
-            <a:r>
-              <a:rPr lang="en-US" sz="1100"/>
-              <a:t>).index]:</a:t>
-            </a:r>
-            <a:r>
-              <a:rPr lang="en-US" sz="1100" dirty="0" err="1"/>
-              <a:t>slide:hide</a:t>
-            </a:r>
-            <a:r>
-              <a:rPr lang="en-US" sz="1100" dirty="0"/>
-              <a:t>]</a:t>
+              <a:t>(10).index]:hide]</a:t>
             </a:r>
             <a:endParaRPr lang="hr-HR" sz="1100" dirty="0"/>
           </a:p>
@@ -5692,14 +5680,14 @@
             <p:ph idx="1"/>
             <p:extLst>
               <p:ext uri="{D42A27DB-BD31-4B8C-83A1-F6EECF244321}">
-                <p14:modId xmlns:p14="http://schemas.microsoft.com/office/powerpoint/2010/main" val="3547349588"/>
+                <p14:modId xmlns:p14="http://schemas.microsoft.com/office/powerpoint/2010/main" val="959251903"/>
               </p:ext>
             </p:extLst>
           </p:nvPr>
         </p:nvGraphicFramePr>
         <p:xfrm>
           <a:off x="1435100" y="1447800"/>
-          <a:ext cx="7499349" cy="741680"/>
+          <a:ext cx="7499349" cy="1112520"/>
         </p:xfrm>
         <a:graphic>
           <a:graphicData uri="http://schemas.openxmlformats.org/drawingml/2006/table">
@@ -5907,6 +5895,121 @@
                 <a:extLst>
                   <a:ext uri="{0D108BD9-81ED-4DB2-BD59-A6C34878D82A}">
                     <a16:rowId xmlns:a16="http://schemas.microsoft.com/office/drawing/2014/main" val="2747685484"/>
+                  </a:ext>
+                </a:extLst>
+              </a:tr>
+              <a:tr h="370840">
+                <a:tc gridSpan="2">
+                  <a:txBody>
+                    <a:bodyPr/>
+                    <a:lstStyle/>
+                    <a:p>
+                      <a:r>
+                        <a:rPr lang="en-US" sz="1000" b="0" dirty="0"/>
+                        <a:t>[[</a:t>
+                      </a:r>
+                      <a:r>
+                        <a:rPr lang="en-US" sz="1000" b="0" dirty="0" err="1"/>
+                        <a:t>table:split</a:t>
+                      </a:r>
+                      <a:r>
+                        <a:rPr lang="en-US" sz="1000" b="0" dirty="0"/>
+                        <a:t>(10).</a:t>
+                      </a:r>
+                      <a:r>
+                        <a:rPr lang="en-US" sz="1000" b="0" dirty="0" err="1"/>
+                        <a:t>isNotLast</a:t>
+                      </a:r>
+                      <a:r>
+                        <a:rPr lang="en-US" sz="1000" b="0" dirty="0"/>
+                        <a:t>]:</a:t>
+                      </a:r>
+                      <a:r>
+                        <a:rPr lang="en-US" sz="1000" b="0" dirty="0" err="1"/>
+                        <a:t>collapse:hide</a:t>
+                      </a:r>
+                      <a:r>
+                        <a:rPr lang="en-US" sz="1000" b="0" dirty="0"/>
+                        <a:t>]</a:t>
+                      </a:r>
+                      <a:r>
+                        <a:rPr lang="en-US" b="1" dirty="0"/>
+                        <a:t>Total info</a:t>
+                      </a:r>
+                      <a:endParaRPr lang="hr-HR" b="1" dirty="0"/>
+                    </a:p>
+                  </a:txBody>
+                  <a:tcPr/>
+                </a:tc>
+                <a:tc hMerge="1">
+                  <a:txBody>
+                    <a:bodyPr/>
+                    <a:lstStyle/>
+                    <a:p>
+                      <a:pPr marL="0" marR="0" lvl="0" indent="0" algn="l" defTabSz="914400" rtl="0" eaLnBrk="1" fontAlgn="auto" latinLnBrk="0" hangingPunct="1">
+                        <a:lnSpc>
+                          <a:spcPct val="100000"/>
+                        </a:lnSpc>
+                        <a:spcBef>
+                          <a:spcPts val="0"/>
+                        </a:spcBef>
+                        <a:spcAft>
+                          <a:spcPts val="0"/>
+                        </a:spcAft>
+                        <a:buClrTx/>
+                        <a:buSzTx/>
+                        <a:buFontTx/>
+                        <a:buNone/>
+                        <a:tabLst/>
+                        <a:defRPr/>
+                      </a:pPr>
+                      <a:endParaRPr lang="hr-HR" dirty="0"/>
+                    </a:p>
+                  </a:txBody>
+                  <a:tcPr/>
+                </a:tc>
+                <a:tc>
+                  <a:txBody>
+                    <a:bodyPr/>
+                    <a:lstStyle/>
+                    <a:p>
+                      <a:pPr marL="0" marR="0" lvl="0" indent="0" algn="l" defTabSz="914400" rtl="0" eaLnBrk="1" fontAlgn="auto" latinLnBrk="0" hangingPunct="1">
+                        <a:lnSpc>
+                          <a:spcPct val="100000"/>
+                        </a:lnSpc>
+                        <a:spcBef>
+                          <a:spcPts val="0"/>
+                        </a:spcBef>
+                        <a:spcAft>
+                          <a:spcPts val="0"/>
+                        </a:spcAft>
+                        <a:buClrTx/>
+                        <a:buSzTx/>
+                        <a:buFontTx/>
+                        <a:buNone/>
+                        <a:tabLst/>
+                        <a:defRPr/>
+                      </a:pPr>
+                      <a:r>
+                        <a:rPr lang="en-US" b="1" dirty="0"/>
+                        <a:t>[[</a:t>
+                      </a:r>
+                      <a:r>
+                        <a:rPr lang="en-US" b="1" dirty="0" err="1"/>
+                        <a:t>table:sum</a:t>
+                      </a:r>
+                      <a:r>
+                        <a:rPr lang="en-US" b="1" dirty="0"/>
+                        <a:t>(B)]]</a:t>
+                      </a:r>
+                      <a:endParaRPr lang="hr-HR" b="1" dirty="0"/>
+                    </a:p>
+                  </a:txBody>
+                  <a:tcPr/>
+                </a:tc>
+                <a:extLst>
+                  <a:ext uri="{0D108BD9-81ED-4DB2-BD59-A6C34878D82A}">
+                    <a16:rowId xmlns:a16="http://schemas.microsoft.com/office/drawing/2014/main" val="2498231850"/>
                   </a:ext>
                 </a:extLst>
               </a:tr>
